--- a/lectures/week_1_intro_to_R/ex1_intro_to_R.pptx
+++ b/lectures/week_1_intro_to_R/ex1_intro_to_R.pptx
@@ -204,7 +204,7 @@
           <a:p>
             <a:fld id="{E3F55388-6A8F-1341-9D1E-B023B27BE3D5}" type="datetimeFigureOut">
               <a:rPr lang="en-US" smtClean="0"/>
-              <a:t>1/21/21</a:t>
+              <a:t>1/14/22</a:t>
             </a:fld>
             <a:endParaRPr lang="en-US"/>
           </a:p>
@@ -702,7 +702,7 @@
           <a:p>
             <a:fld id="{FA0BDF2A-8048-BB44-864C-819C200F781C}" type="datetimeFigureOut">
               <a:rPr lang="en-US" smtClean="0"/>
-              <a:t>1/21/21</a:t>
+              <a:t>1/14/22</a:t>
             </a:fld>
             <a:endParaRPr lang="en-US"/>
           </a:p>
@@ -900,7 +900,7 @@
           <a:p>
             <a:fld id="{FA0BDF2A-8048-BB44-864C-819C200F781C}" type="datetimeFigureOut">
               <a:rPr lang="en-US" smtClean="0"/>
-              <a:t>1/21/21</a:t>
+              <a:t>1/14/22</a:t>
             </a:fld>
             <a:endParaRPr lang="en-US"/>
           </a:p>
@@ -1108,7 +1108,7 @@
           <a:p>
             <a:fld id="{FA0BDF2A-8048-BB44-864C-819C200F781C}" type="datetimeFigureOut">
               <a:rPr lang="en-US" smtClean="0"/>
-              <a:t>1/21/21</a:t>
+              <a:t>1/14/22</a:t>
             </a:fld>
             <a:endParaRPr lang="en-US"/>
           </a:p>
@@ -1306,7 +1306,7 @@
           <a:p>
             <a:fld id="{FA0BDF2A-8048-BB44-864C-819C200F781C}" type="datetimeFigureOut">
               <a:rPr lang="en-US" smtClean="0"/>
-              <a:t>1/21/21</a:t>
+              <a:t>1/14/22</a:t>
             </a:fld>
             <a:endParaRPr lang="en-US"/>
           </a:p>
@@ -1581,7 +1581,7 @@
           <a:p>
             <a:fld id="{FA0BDF2A-8048-BB44-864C-819C200F781C}" type="datetimeFigureOut">
               <a:rPr lang="en-US" smtClean="0"/>
-              <a:t>1/21/21</a:t>
+              <a:t>1/14/22</a:t>
             </a:fld>
             <a:endParaRPr lang="en-US"/>
           </a:p>
@@ -1846,7 +1846,7 @@
           <a:p>
             <a:fld id="{FA0BDF2A-8048-BB44-864C-819C200F781C}" type="datetimeFigureOut">
               <a:rPr lang="en-US" smtClean="0"/>
-              <a:t>1/21/21</a:t>
+              <a:t>1/14/22</a:t>
             </a:fld>
             <a:endParaRPr lang="en-US"/>
           </a:p>
@@ -2258,7 +2258,7 @@
           <a:p>
             <a:fld id="{FA0BDF2A-8048-BB44-864C-819C200F781C}" type="datetimeFigureOut">
               <a:rPr lang="en-US" smtClean="0"/>
-              <a:t>1/21/21</a:t>
+              <a:t>1/14/22</a:t>
             </a:fld>
             <a:endParaRPr lang="en-US"/>
           </a:p>
@@ -2399,7 +2399,7 @@
           <a:p>
             <a:fld id="{FA0BDF2A-8048-BB44-864C-819C200F781C}" type="datetimeFigureOut">
               <a:rPr lang="en-US" smtClean="0"/>
-              <a:t>1/21/21</a:t>
+              <a:t>1/14/22</a:t>
             </a:fld>
             <a:endParaRPr lang="en-US"/>
           </a:p>
@@ -2512,7 +2512,7 @@
           <a:p>
             <a:fld id="{FA0BDF2A-8048-BB44-864C-819C200F781C}" type="datetimeFigureOut">
               <a:rPr lang="en-US" smtClean="0"/>
-              <a:t>1/21/21</a:t>
+              <a:t>1/14/22</a:t>
             </a:fld>
             <a:endParaRPr lang="en-US"/>
           </a:p>
@@ -2823,7 +2823,7 @@
           <a:p>
             <a:fld id="{FA0BDF2A-8048-BB44-864C-819C200F781C}" type="datetimeFigureOut">
               <a:rPr lang="en-US" smtClean="0"/>
-              <a:t>1/21/21</a:t>
+              <a:t>1/14/22</a:t>
             </a:fld>
             <a:endParaRPr lang="en-US"/>
           </a:p>
@@ -3111,7 +3111,7 @@
           <a:p>
             <a:fld id="{FA0BDF2A-8048-BB44-864C-819C200F781C}" type="datetimeFigureOut">
               <a:rPr lang="en-US" smtClean="0"/>
-              <a:t>1/21/21</a:t>
+              <a:t>1/14/22</a:t>
             </a:fld>
             <a:endParaRPr lang="en-US"/>
           </a:p>
@@ -3352,7 +3352,7 @@
           <a:p>
             <a:fld id="{FA0BDF2A-8048-BB44-864C-819C200F781C}" type="datetimeFigureOut">
               <a:rPr lang="en-US" smtClean="0"/>
-              <a:t>1/21/21</a:t>
+              <a:t>1/14/22</a:t>
             </a:fld>
             <a:endParaRPr lang="en-US"/>
           </a:p>
@@ -4982,7 +4982,7 @@
             </a:r>
             <a:r>
               <a:rPr lang="en-US" i="1" dirty="0"/>
-              <a:t> n() function and spread() or gather() paired with piping to make the same table I do with base R.</a:t>
+              <a:t> functions paired with piping to make the same table I do with base R.</a:t>
             </a:r>
             <a:endParaRPr lang="en-US" dirty="0"/>
           </a:p>

--- a/lectures/week_1_intro_to_R/ex1_intro_to_R.pptx
+++ b/lectures/week_1_intro_to_R/ex1_intro_to_R.pptx
@@ -204,7 +204,7 @@
           <a:p>
             <a:fld id="{E3F55388-6A8F-1341-9D1E-B023B27BE3D5}" type="datetimeFigureOut">
               <a:rPr lang="en-US" smtClean="0"/>
-              <a:t>1/14/22</a:t>
+              <a:t>1/20/22</a:t>
             </a:fld>
             <a:endParaRPr lang="en-US"/>
           </a:p>
@@ -702,7 +702,7 @@
           <a:p>
             <a:fld id="{FA0BDF2A-8048-BB44-864C-819C200F781C}" type="datetimeFigureOut">
               <a:rPr lang="en-US" smtClean="0"/>
-              <a:t>1/14/22</a:t>
+              <a:t>1/20/22</a:t>
             </a:fld>
             <a:endParaRPr lang="en-US"/>
           </a:p>
@@ -900,7 +900,7 @@
           <a:p>
             <a:fld id="{FA0BDF2A-8048-BB44-864C-819C200F781C}" type="datetimeFigureOut">
               <a:rPr lang="en-US" smtClean="0"/>
-              <a:t>1/14/22</a:t>
+              <a:t>1/20/22</a:t>
             </a:fld>
             <a:endParaRPr lang="en-US"/>
           </a:p>
@@ -1108,7 +1108,7 @@
           <a:p>
             <a:fld id="{FA0BDF2A-8048-BB44-864C-819C200F781C}" type="datetimeFigureOut">
               <a:rPr lang="en-US" smtClean="0"/>
-              <a:t>1/14/22</a:t>
+              <a:t>1/20/22</a:t>
             </a:fld>
             <a:endParaRPr lang="en-US"/>
           </a:p>
@@ -1306,7 +1306,7 @@
           <a:p>
             <a:fld id="{FA0BDF2A-8048-BB44-864C-819C200F781C}" type="datetimeFigureOut">
               <a:rPr lang="en-US" smtClean="0"/>
-              <a:t>1/14/22</a:t>
+              <a:t>1/20/22</a:t>
             </a:fld>
             <a:endParaRPr lang="en-US"/>
           </a:p>
@@ -1581,7 +1581,7 @@
           <a:p>
             <a:fld id="{FA0BDF2A-8048-BB44-864C-819C200F781C}" type="datetimeFigureOut">
               <a:rPr lang="en-US" smtClean="0"/>
-              <a:t>1/14/22</a:t>
+              <a:t>1/20/22</a:t>
             </a:fld>
             <a:endParaRPr lang="en-US"/>
           </a:p>
@@ -1846,7 +1846,7 @@
           <a:p>
             <a:fld id="{FA0BDF2A-8048-BB44-864C-819C200F781C}" type="datetimeFigureOut">
               <a:rPr lang="en-US" smtClean="0"/>
-              <a:t>1/14/22</a:t>
+              <a:t>1/20/22</a:t>
             </a:fld>
             <a:endParaRPr lang="en-US"/>
           </a:p>
@@ -2258,7 +2258,7 @@
           <a:p>
             <a:fld id="{FA0BDF2A-8048-BB44-864C-819C200F781C}" type="datetimeFigureOut">
               <a:rPr lang="en-US" smtClean="0"/>
-              <a:t>1/14/22</a:t>
+              <a:t>1/20/22</a:t>
             </a:fld>
             <a:endParaRPr lang="en-US"/>
           </a:p>
@@ -2399,7 +2399,7 @@
           <a:p>
             <a:fld id="{FA0BDF2A-8048-BB44-864C-819C200F781C}" type="datetimeFigureOut">
               <a:rPr lang="en-US" smtClean="0"/>
-              <a:t>1/14/22</a:t>
+              <a:t>1/20/22</a:t>
             </a:fld>
             <a:endParaRPr lang="en-US"/>
           </a:p>
@@ -2512,7 +2512,7 @@
           <a:p>
             <a:fld id="{FA0BDF2A-8048-BB44-864C-819C200F781C}" type="datetimeFigureOut">
               <a:rPr lang="en-US" smtClean="0"/>
-              <a:t>1/14/22</a:t>
+              <a:t>1/20/22</a:t>
             </a:fld>
             <a:endParaRPr lang="en-US"/>
           </a:p>
@@ -2823,7 +2823,7 @@
           <a:p>
             <a:fld id="{FA0BDF2A-8048-BB44-864C-819C200F781C}" type="datetimeFigureOut">
               <a:rPr lang="en-US" smtClean="0"/>
-              <a:t>1/14/22</a:t>
+              <a:t>1/20/22</a:t>
             </a:fld>
             <a:endParaRPr lang="en-US"/>
           </a:p>
@@ -3111,7 +3111,7 @@
           <a:p>
             <a:fld id="{FA0BDF2A-8048-BB44-864C-819C200F781C}" type="datetimeFigureOut">
               <a:rPr lang="en-US" smtClean="0"/>
-              <a:t>1/14/22</a:t>
+              <a:t>1/20/22</a:t>
             </a:fld>
             <a:endParaRPr lang="en-US"/>
           </a:p>
@@ -3352,7 +3352,7 @@
           <a:p>
             <a:fld id="{FA0BDF2A-8048-BB44-864C-819C200F781C}" type="datetimeFigureOut">
               <a:rPr lang="en-US" smtClean="0"/>
-              <a:t>1/14/22</a:t>
+              <a:t>1/20/22</a:t>
             </a:fld>
             <a:endParaRPr lang="en-US"/>
           </a:p>
@@ -4437,7 +4437,7 @@
         <p:spPr/>
         <p:txBody>
           <a:bodyPr>
-            <a:normAutofit lnSpcReduction="10000"/>
+            <a:normAutofit fontScale="92500" lnSpcReduction="20000"/>
           </a:bodyPr>
           <a:lstStyle/>
           <a:p>
@@ -4467,57 +4467,7 @@
           <a:p>
             <a:r>
               <a:rPr lang="en-US" dirty="0"/>
-              <a:t>if you’re on MacOS, it would be helpful to install </a:t>
-            </a:r>
-            <a:r>
-              <a:rPr lang="en-US" dirty="0" err="1"/>
-              <a:t>Xcode</a:t>
-            </a:r>
-            <a:r>
-              <a:rPr lang="en-US" dirty="0"/>
-              <a:t> and </a:t>
-            </a:r>
-            <a:r>
-              <a:rPr lang="en-US" dirty="0" err="1"/>
-              <a:t>XQuartz</a:t>
-            </a:r>
-            <a:r>
-              <a:rPr lang="en-US" dirty="0"/>
-              <a:t> ahead of time (https://</a:t>
-            </a:r>
-            <a:r>
-              <a:rPr lang="en-US" dirty="0" err="1"/>
-              <a:t>developer.apple.com</a:t>
-            </a:r>
-            <a:r>
-              <a:rPr lang="en-US" dirty="0"/>
-              <a:t>/download/). </a:t>
-            </a:r>
-          </a:p>
-          <a:p>
-            <a:r>
-              <a:rPr lang="en-US" dirty="0"/>
-              <a:t>Please send me your </a:t>
-            </a:r>
-            <a:r>
-              <a:rPr lang="en-US" dirty="0" err="1"/>
-              <a:t>github</a:t>
-            </a:r>
-            <a:r>
-              <a:rPr lang="en-US" dirty="0"/>
-              <a:t> user name (via canvas)</a:t>
-            </a:r>
-          </a:p>
-          <a:p>
-            <a:r>
-              <a:rPr lang="en-US" dirty="0"/>
-              <a:t>install Git on your machine. </a:t>
-            </a:r>
-          </a:p>
-          <a:p>
-            <a:r>
-              <a:rPr lang="en-US" dirty="0"/>
-              <a:t>This website provides some helpful instructions for doing so:</a:t>
+              <a:t>Install Git on your machine. This website provides some helpful instructions for getting started with Git:</a:t>
             </a:r>
           </a:p>
           <a:p>
@@ -4528,6 +4478,50 @@
               <a:t>http://happygitwithr.com/install-git.html#install-git </a:t>
             </a:r>
             <a:endParaRPr lang="en-US" dirty="0"/>
+          </a:p>
+          <a:p>
+            <a:pPr marL="0" indent="0">
+              <a:buNone/>
+            </a:pPr>
+            <a:endParaRPr lang="en-US" dirty="0"/>
+          </a:p>
+          <a:p>
+            <a:r>
+              <a:rPr lang="en-US" dirty="0"/>
+              <a:t>if you’re on MacOS, it can be helpful to install </a:t>
+            </a:r>
+            <a:r>
+              <a:rPr lang="en-US" dirty="0" err="1"/>
+              <a:t>Xcode</a:t>
+            </a:r>
+            <a:r>
+              <a:rPr lang="en-US" dirty="0"/>
+              <a:t> ahead of time (</a:t>
+            </a:r>
+            <a:r>
+              <a:rPr lang="en-US" dirty="0">
+                <a:hlinkClick r:id="rId4"/>
+              </a:rPr>
+              <a:t>https://developer.apple.com/download/</a:t>
+            </a:r>
+            <a:r>
+              <a:rPr lang="en-US" dirty="0"/>
+              <a:t>) if you aren’t comfortable with command line</a:t>
+            </a:r>
+          </a:p>
+          <a:p>
+            <a:r>
+              <a:rPr lang="en-US" dirty="0"/>
+              <a:t>Please send me your </a:t>
+            </a:r>
+            <a:r>
+              <a:rPr lang="en-US" dirty="0" err="1"/>
+              <a:t>github</a:t>
+            </a:r>
+            <a:r>
+              <a:rPr lang="en-US" dirty="0"/>
+              <a:t> user name (via canvas)</a:t>
+            </a:r>
           </a:p>
           <a:p>
             <a:pPr lvl="1"/>

--- a/lectures/week_1_intro_to_R/ex1_intro_to_R.pptx
+++ b/lectures/week_1_intro_to_R/ex1_intro_to_R.pptx
@@ -4749,7 +4749,12 @@
             <p:ph type="title"/>
           </p:nvPr>
         </p:nvSpPr>
-        <p:spPr/>
+        <p:spPr>
+          <a:xfrm>
+            <a:off x="756138" y="-281354"/>
+            <a:ext cx="10515600" cy="1325563"/>
+          </a:xfrm>
+        </p:spPr>
         <p:txBody>
           <a:bodyPr>
             <a:noAutofit/>
@@ -4758,13 +4763,13 @@
           <a:p>
             <a:pPr algn="ctr"/>
             <a:r>
-              <a:rPr lang="en-US" sz="3500" dirty="0"/>
+              <a:rPr lang="en-US" sz="1400" dirty="0"/>
               <a:t>Assignment – if you don’t have data yet, you can use some of the data on canvas, but the paragraph you turn in should be about YOUR data </a:t>
             </a:r>
             <a:br>
-              <a:rPr lang="en-US" sz="3500" dirty="0"/>
+              <a:rPr lang="en-US" sz="1400" dirty="0"/>
             </a:br>
-            <a:endParaRPr lang="en-US" sz="3500" dirty="0"/>
+            <a:endParaRPr lang="en-US" sz="1400" dirty="0"/>
           </a:p>
         </p:txBody>
       </p:sp>
@@ -4780,13 +4785,13 @@
         </p:nvSpPr>
         <p:spPr>
           <a:xfrm>
-            <a:off x="838200" y="1516566"/>
+            <a:off x="756138" y="475212"/>
             <a:ext cx="10515600" cy="5051502"/>
           </a:xfrm>
         </p:spPr>
         <p:txBody>
           <a:bodyPr>
-            <a:normAutofit fontScale="40000" lnSpcReduction="20000"/>
+            <a:noAutofit/>
           </a:bodyPr>
           <a:lstStyle/>
           <a:p>
@@ -4794,25 +4799,92 @@
               <a:buNone/>
             </a:pPr>
             <a:r>
-              <a:rPr lang="en-US" dirty="0"/>
+              <a:rPr lang="en-US" sz="1400" dirty="0"/>
               <a:t>1. Choose a data set that will be fun to explore for this class, and possibly for the final project. Acquire the data.</a:t>
             </a:r>
+            <a:br>
+              <a:rPr lang="en-US" sz="1400" dirty="0"/>
+            </a:br>
+            <a:r>
+              <a:rPr lang="en-US" sz="1400" dirty="0"/>
+              <a:t>2. Try reading data into R, viewing the data, selecting a column, selecting a row. Do this by row or column number and by value. Type summary(</a:t>
+            </a:r>
+            <a:r>
+              <a:rPr lang="en-US" sz="1400" dirty="0" err="1"/>
+              <a:t>yourdata</a:t>
+            </a:r>
+            <a:r>
+              <a:rPr lang="en-US" sz="1400" dirty="0"/>
+              <a:t>). What does this give you?</a:t>
+            </a:r>
+            <a:br>
+              <a:rPr lang="en-US" sz="1400" dirty="0"/>
+            </a:br>
+            <a:r>
+              <a:rPr lang="en-US" sz="1400" dirty="0"/>
+              <a:t>3. Do some calculations with your data. Add a column.</a:t>
+            </a:r>
+            <a:br>
+              <a:rPr lang="en-US" sz="1400" dirty="0"/>
+            </a:br>
+            <a:r>
+              <a:rPr lang="en-US" sz="1400" dirty="0"/>
+              <a:t>4. Aggregate your data. See ?”aggregate” for help. Also, make a data table.  </a:t>
+            </a:r>
           </a:p>
           <a:p>
             <a:pPr marL="0" indent="0">
               <a:buNone/>
             </a:pPr>
             <a:r>
-              <a:rPr lang="en-US" dirty="0"/>
-              <a:t>2. Try reading data into R, viewing the data, selecting a column, selecting a row. Do this by row or column number and by value. Type summary(</a:t>
-            </a:r>
-            <a:r>
-              <a:rPr lang="en-US" dirty="0" err="1"/>
-              <a:t>yourdata</a:t>
-            </a:r>
-            <a:r>
-              <a:rPr lang="en-US" dirty="0"/>
-              <a:t>). What does this give you?</a:t>
+              <a:rPr lang="en-US" sz="1400" i="1" dirty="0"/>
+              <a:t>Basic code: </a:t>
+            </a:r>
+            <a:br>
+              <a:rPr lang="en-US" sz="1400" i="1" dirty="0"/>
+            </a:br>
+            <a:r>
+              <a:rPr lang="en-US" sz="1400" i="1" dirty="0"/>
+              <a:t>f1 &lt;- aggregate(</a:t>
+            </a:r>
+            <a:r>
+              <a:rPr lang="en-US" sz="1400" i="1" dirty="0" err="1"/>
+              <a:t>tally~site+date+species,FUN</a:t>
+            </a:r>
+            <a:r>
+              <a:rPr lang="en-US" sz="1400" i="1" dirty="0"/>
+              <a:t>=</a:t>
+            </a:r>
+            <a:r>
+              <a:rPr lang="en-US" sz="1400" i="1" dirty="0" err="1"/>
+              <a:t>sum,data</a:t>
+            </a:r>
+            <a:r>
+              <a:rPr lang="en-US" sz="1400" i="1" dirty="0"/>
+              <a:t>=</a:t>
+            </a:r>
+            <a:r>
+              <a:rPr lang="en-US" sz="1400" i="1" dirty="0" err="1"/>
+              <a:t>dm</a:t>
+            </a:r>
+            <a:r>
+              <a:rPr lang="en-US" sz="1400" i="1" dirty="0"/>
+              <a:t>)</a:t>
+            </a:r>
+            <a:br>
+              <a:rPr lang="en-US" sz="1400" i="1" dirty="0"/>
+            </a:br>
+            <a:r>
+              <a:rPr lang="en-US" sz="1400" i="1" dirty="0"/>
+              <a:t>tab1 &lt;- table(</a:t>
+            </a:r>
+            <a:r>
+              <a:rPr lang="en-US" sz="1400" i="1" dirty="0" err="1"/>
+              <a:t>dm$site_date,dm$species</a:t>
+            </a:r>
+            <a:r>
+              <a:rPr lang="en-US" sz="1400" i="1" dirty="0"/>
+              <a:t>)</a:t>
             </a:r>
           </a:p>
           <a:p>
@@ -4820,8 +4892,8 @@
               <a:buNone/>
             </a:pPr>
             <a:r>
-              <a:rPr lang="en-US" dirty="0"/>
-              <a:t>3. Do some calculations with your data. Add a column.</a:t>
+              <a:rPr lang="en-US" sz="1400" dirty="0"/>
+              <a:t>Modify your functions for aggregate – don’t just use sum. Do a couple of different style tables as if you were writing a report. See R script for example.</a:t>
             </a:r>
           </a:p>
           <a:p>
@@ -4829,113 +4901,27 @@
               <a:buNone/>
             </a:pPr>
             <a:r>
-              <a:rPr lang="en-US" dirty="0"/>
-              <a:t>4. Aggregate your data. See ?”aggregate” for help. Also, make a data table.  </a:t>
-            </a:r>
+              <a:rPr lang="en-US" sz="1400" b="1" i="1" u="sng" dirty="0"/>
+              <a:t>For all students</a:t>
+            </a:r>
+            <a:endParaRPr lang="en-US" sz="1400" b="1" u="sng" dirty="0"/>
           </a:p>
           <a:p>
             <a:pPr marL="0" indent="0">
               <a:buNone/>
             </a:pPr>
             <a:r>
-              <a:rPr lang="en-US" i="1" dirty="0"/>
-              <a:t>Basic code: </a:t>
-            </a:r>
-          </a:p>
-          <a:p>
-            <a:pPr marL="0" indent="0">
-              <a:buNone/>
-            </a:pPr>
-            <a:r>
-              <a:rPr lang="en-US" i="1" dirty="0"/>
-              <a:t>f1 &lt;- aggregate(</a:t>
-            </a:r>
-            <a:r>
-              <a:rPr lang="en-US" i="1" dirty="0" err="1"/>
-              <a:t>tally~site+date+species,FUN</a:t>
-            </a:r>
-            <a:r>
-              <a:rPr lang="en-US" i="1" dirty="0"/>
-              <a:t>=</a:t>
-            </a:r>
-            <a:r>
-              <a:rPr lang="en-US" i="1" dirty="0" err="1"/>
-              <a:t>sum,data</a:t>
-            </a:r>
-            <a:r>
-              <a:rPr lang="en-US" i="1" dirty="0"/>
-              <a:t>=</a:t>
-            </a:r>
-            <a:r>
-              <a:rPr lang="en-US" i="1" dirty="0" err="1"/>
-              <a:t>dm</a:t>
-            </a:r>
-            <a:r>
-              <a:rPr lang="en-US" i="1" dirty="0"/>
-              <a:t>)</a:t>
-            </a:r>
-          </a:p>
-          <a:p>
-            <a:pPr marL="0" indent="0">
-              <a:buNone/>
-            </a:pPr>
-            <a:r>
-              <a:rPr lang="en-US" i="1" dirty="0"/>
-              <a:t>tab1 &lt;- table(</a:t>
-            </a:r>
-            <a:r>
-              <a:rPr lang="en-US" i="1" dirty="0" err="1"/>
-              <a:t>dm$site_date,dm$species</a:t>
-            </a:r>
-            <a:r>
-              <a:rPr lang="en-US" i="1" dirty="0"/>
-              <a:t>)</a:t>
-            </a:r>
-          </a:p>
-          <a:p>
-            <a:pPr marL="0" indent="0">
-              <a:buNone/>
-            </a:pPr>
-            <a:r>
-              <a:rPr lang="en-US" dirty="0"/>
-              <a:t>Modify your functions for aggregate – don’t just use sum. Do a couple of different style tables as if you were writing a report. See R script for example.</a:t>
-            </a:r>
-          </a:p>
-          <a:p>
-            <a:pPr marL="0" indent="0">
-              <a:buNone/>
-            </a:pPr>
-            <a:r>
-              <a:rPr lang="en-US" i="1" dirty="0"/>
-              <a:t>For all students</a:t>
-            </a:r>
-            <a:endParaRPr lang="en-US" dirty="0"/>
-          </a:p>
-          <a:p>
-            <a:pPr marL="0" indent="0">
-              <a:buNone/>
-            </a:pPr>
-            <a:r>
-              <a:rPr lang="en-US" dirty="0"/>
-              <a:t>5. Send in a paragraph describing your data. You can copy and paste your output and summary tables into the file to provide some additional context. </a:t>
-            </a:r>
-          </a:p>
-          <a:p>
-            <a:pPr marL="0" indent="0">
-              <a:buNone/>
-            </a:pPr>
-            <a:r>
-              <a:rPr lang="en-US" dirty="0"/>
-              <a:t>	- In this paragraph: Include a list of goals you would like to make for your dataset/thesis project. </a:t>
+              <a:rPr lang="en-US" sz="1400" dirty="0"/>
+              <a:t>5. Send in a paragraph describing your data. You can copy and paste your output and summary tables into the file to provide some additional context. In this paragraph: Include a list of goals you would like to make for your dataset/thesis project. </a:t>
             </a:r>
             <a:br>
-              <a:rPr lang="en-US" dirty="0"/>
+              <a:rPr lang="en-US" sz="1400" dirty="0"/>
             </a:br>
             <a:br>
-              <a:rPr lang="en-US" dirty="0"/>
+              <a:rPr lang="en-US" sz="1400" dirty="0"/>
             </a:br>
             <a:r>
-              <a:rPr lang="en-US" dirty="0"/>
+              <a:rPr lang="en-US" sz="1400" dirty="0"/>
               <a:t>6. You will upload your annotated code and data file of the above on GitHub on week 2. where you have completed the above. Be sure to also upload your data file. </a:t>
             </a:r>
           </a:p>
@@ -4943,15 +4929,49 @@
             <a:pPr marL="0" indent="0">
               <a:buNone/>
             </a:pPr>
-            <a:endParaRPr lang="en-US" dirty="0"/>
+            <a:r>
+              <a:rPr lang="en-US" sz="1400" b="1" i="1" u="sng" dirty="0"/>
+              <a:t>For more advanced R users:</a:t>
+            </a:r>
           </a:p>
           <a:p>
             <a:pPr marL="0" indent="0">
               <a:buNone/>
             </a:pPr>
             <a:r>
-              <a:rPr lang="en-US" i="1" dirty="0"/>
-              <a:t>For more advanced R users:</a:t>
+              <a:rPr lang="en-US" sz="1400" i="1" dirty="0"/>
+              <a:t>6. Using the </a:t>
+            </a:r>
+            <a:r>
+              <a:rPr lang="en-US" sz="1400" i="1" dirty="0" err="1"/>
+              <a:t>cheatsheets</a:t>
+            </a:r>
+            <a:r>
+              <a:rPr lang="en-US" sz="1400" i="1" dirty="0"/>
+              <a:t> on canvas, use </a:t>
+            </a:r>
+            <a:r>
+              <a:rPr lang="en-US" sz="1400" i="1" dirty="0" err="1"/>
+              <a:t>tidyverse</a:t>
+            </a:r>
+            <a:r>
+              <a:rPr lang="en-US" sz="1400" i="1" dirty="0"/>
+              <a:t> functions paired with piping to make the same table I do with base R.</a:t>
+            </a:r>
+            <a:br>
+              <a:rPr lang="en-US" sz="1400" i="1" dirty="0"/>
+            </a:br>
+            <a:r>
+              <a:rPr lang="en-US" sz="1400" dirty="0"/>
+              <a:t>7. Using the officers package, output your tables into a word document (see the code in files for example with officer). Try something fancier than I have in my example and play around with table formatting. If you have a mac, you will need </a:t>
+            </a:r>
+            <a:r>
+              <a:rPr lang="en-US" sz="1400" dirty="0" err="1"/>
+              <a:t>xquartz</a:t>
+            </a:r>
+            <a:r>
+              <a:rPr lang="en-US" sz="1400" dirty="0"/>
+              <a:t> to get officers to work. </a:t>
             </a:r>
           </a:p>
           <a:p>
@@ -4959,68 +4979,25 @@
               <a:buNone/>
             </a:pPr>
             <a:r>
-              <a:rPr lang="en-US" i="1" dirty="0"/>
-              <a:t>6. Using the </a:t>
-            </a:r>
-            <a:r>
-              <a:rPr lang="en-US" i="1" dirty="0" err="1"/>
-              <a:t>cheatsheets</a:t>
-            </a:r>
-            <a:r>
-              <a:rPr lang="en-US" i="1" dirty="0"/>
-              <a:t> on canvas, use </a:t>
-            </a:r>
-            <a:r>
-              <a:rPr lang="en-US" i="1" dirty="0" err="1"/>
-              <a:t>tidyverse</a:t>
-            </a:r>
-            <a:r>
-              <a:rPr lang="en-US" i="1" dirty="0"/>
-              <a:t> functions paired with piping to make the same table I do with base R.</a:t>
-            </a:r>
-            <a:endParaRPr lang="en-US" dirty="0"/>
+              <a:rPr lang="en-US" sz="1400" b="1" i="1" u="sng" dirty="0"/>
+              <a:t>For the very advanced R users:</a:t>
+            </a:r>
+            <a:endParaRPr lang="en-US" sz="1400" b="1" u="sng" dirty="0"/>
           </a:p>
           <a:p>
             <a:pPr marL="0" indent="0">
               <a:buNone/>
             </a:pPr>
             <a:r>
-              <a:rPr lang="en-US" dirty="0"/>
-              <a:t>7. Using the officers package, output your tables into a word document (see the code in files for example with officer). Try something fancier than I have in my example and play around with table formatting. If you have a mac, you will need </a:t>
-            </a:r>
-            <a:r>
-              <a:rPr lang="en-US" dirty="0" err="1"/>
-              <a:t>xquartz</a:t>
-            </a:r>
-            <a:r>
-              <a:rPr lang="en-US" dirty="0"/>
-              <a:t> to get officers to work. </a:t>
-            </a:r>
-          </a:p>
-          <a:p>
-            <a:pPr marL="0" indent="0">
-              <a:buNone/>
-            </a:pPr>
-            <a:r>
-              <a:rPr lang="en-US" i="1" dirty="0"/>
-              <a:t>For the very advanced R users:</a:t>
-            </a:r>
-            <a:endParaRPr lang="en-US" dirty="0"/>
-          </a:p>
-          <a:p>
-            <a:pPr marL="0" indent="0">
-              <a:buNone/>
-            </a:pPr>
-            <a:r>
-              <a:rPr lang="en-US" dirty="0"/>
+              <a:rPr lang="en-US" sz="1400" dirty="0"/>
               <a:t>8. All the steps above, but make an </a:t>
             </a:r>
             <a:r>
-              <a:rPr lang="en-US" dirty="0" err="1"/>
+              <a:rPr lang="en-US" sz="1400" dirty="0" err="1"/>
               <a:t>Rmarkdown</a:t>
             </a:r>
             <a:r>
-              <a:rPr lang="en-US" dirty="0"/>
+              <a:rPr lang="en-US" sz="1400" dirty="0"/>
               <a:t> file, knit your document and upload the .html too. </a:t>
             </a:r>
           </a:p>

--- a/lectures/week_1_intro_to_R/ex1_intro_to_R.pptx
+++ b/lectures/week_1_intro_to_R/ex1_intro_to_R.pptx
@@ -5,17 +5,18 @@
     <p:sldMasterId id="2147483648" r:id="rId1"/>
   </p:sldMasterIdLst>
   <p:notesMasterIdLst>
-    <p:notesMasterId r:id="rId10"/>
+    <p:notesMasterId r:id="rId11"/>
   </p:notesMasterIdLst>
   <p:sldIdLst>
     <p:sldId id="256" r:id="rId2"/>
-    <p:sldId id="258" r:id="rId3"/>
+    <p:sldId id="289" r:id="rId3"/>
     <p:sldId id="292" r:id="rId4"/>
     <p:sldId id="293" r:id="rId5"/>
-    <p:sldId id="291" r:id="rId6"/>
-    <p:sldId id="259" r:id="rId7"/>
-    <p:sldId id="294" r:id="rId8"/>
-    <p:sldId id="290" r:id="rId9"/>
+    <p:sldId id="258" r:id="rId6"/>
+    <p:sldId id="291" r:id="rId7"/>
+    <p:sldId id="259" r:id="rId8"/>
+    <p:sldId id="294" r:id="rId9"/>
+    <p:sldId id="290" r:id="rId10"/>
   </p:sldIdLst>
   <p:sldSz cx="12192000" cy="6858000"/>
   <p:notesSz cx="6858000" cy="9144000"/>
@@ -204,7 +205,7 @@
           <a:p>
             <a:fld id="{E3F55388-6A8F-1341-9D1E-B023B27BE3D5}" type="datetimeFigureOut">
               <a:rPr lang="en-US" smtClean="0"/>
-              <a:t>1/20/22</a:t>
+              <a:t>1/19/23</a:t>
             </a:fld>
             <a:endParaRPr lang="en-US"/>
           </a:p>
@@ -536,7 +537,7 @@
           <a:p>
             <a:fld id="{18D06CE0-210B-C547-B7C0-679F4950FCC7}" type="slidenum">
               <a:rPr lang="en-US" smtClean="0"/>
-              <a:t>5</a:t>
+              <a:t>6</a:t>
             </a:fld>
             <a:endParaRPr lang="en-US"/>
           </a:p>
@@ -702,7 +703,7 @@
           <a:p>
             <a:fld id="{FA0BDF2A-8048-BB44-864C-819C200F781C}" type="datetimeFigureOut">
               <a:rPr lang="en-US" smtClean="0"/>
-              <a:t>1/20/22</a:t>
+              <a:t>1/19/23</a:t>
             </a:fld>
             <a:endParaRPr lang="en-US"/>
           </a:p>
@@ -900,7 +901,7 @@
           <a:p>
             <a:fld id="{FA0BDF2A-8048-BB44-864C-819C200F781C}" type="datetimeFigureOut">
               <a:rPr lang="en-US" smtClean="0"/>
-              <a:t>1/20/22</a:t>
+              <a:t>1/19/23</a:t>
             </a:fld>
             <a:endParaRPr lang="en-US"/>
           </a:p>
@@ -1108,7 +1109,7 @@
           <a:p>
             <a:fld id="{FA0BDF2A-8048-BB44-864C-819C200F781C}" type="datetimeFigureOut">
               <a:rPr lang="en-US" smtClean="0"/>
-              <a:t>1/20/22</a:t>
+              <a:t>1/19/23</a:t>
             </a:fld>
             <a:endParaRPr lang="en-US"/>
           </a:p>
@@ -1306,7 +1307,7 @@
           <a:p>
             <a:fld id="{FA0BDF2A-8048-BB44-864C-819C200F781C}" type="datetimeFigureOut">
               <a:rPr lang="en-US" smtClean="0"/>
-              <a:t>1/20/22</a:t>
+              <a:t>1/19/23</a:t>
             </a:fld>
             <a:endParaRPr lang="en-US"/>
           </a:p>
@@ -1581,7 +1582,7 @@
           <a:p>
             <a:fld id="{FA0BDF2A-8048-BB44-864C-819C200F781C}" type="datetimeFigureOut">
               <a:rPr lang="en-US" smtClean="0"/>
-              <a:t>1/20/22</a:t>
+              <a:t>1/19/23</a:t>
             </a:fld>
             <a:endParaRPr lang="en-US"/>
           </a:p>
@@ -1846,7 +1847,7 @@
           <a:p>
             <a:fld id="{FA0BDF2A-8048-BB44-864C-819C200F781C}" type="datetimeFigureOut">
               <a:rPr lang="en-US" smtClean="0"/>
-              <a:t>1/20/22</a:t>
+              <a:t>1/19/23</a:t>
             </a:fld>
             <a:endParaRPr lang="en-US"/>
           </a:p>
@@ -2258,7 +2259,7 @@
           <a:p>
             <a:fld id="{FA0BDF2A-8048-BB44-864C-819C200F781C}" type="datetimeFigureOut">
               <a:rPr lang="en-US" smtClean="0"/>
-              <a:t>1/20/22</a:t>
+              <a:t>1/19/23</a:t>
             </a:fld>
             <a:endParaRPr lang="en-US"/>
           </a:p>
@@ -2399,7 +2400,7 @@
           <a:p>
             <a:fld id="{FA0BDF2A-8048-BB44-864C-819C200F781C}" type="datetimeFigureOut">
               <a:rPr lang="en-US" smtClean="0"/>
-              <a:t>1/20/22</a:t>
+              <a:t>1/19/23</a:t>
             </a:fld>
             <a:endParaRPr lang="en-US"/>
           </a:p>
@@ -2512,7 +2513,7 @@
           <a:p>
             <a:fld id="{FA0BDF2A-8048-BB44-864C-819C200F781C}" type="datetimeFigureOut">
               <a:rPr lang="en-US" smtClean="0"/>
-              <a:t>1/20/22</a:t>
+              <a:t>1/19/23</a:t>
             </a:fld>
             <a:endParaRPr lang="en-US"/>
           </a:p>
@@ -2823,7 +2824,7 @@
           <a:p>
             <a:fld id="{FA0BDF2A-8048-BB44-864C-819C200F781C}" type="datetimeFigureOut">
               <a:rPr lang="en-US" smtClean="0"/>
-              <a:t>1/20/22</a:t>
+              <a:t>1/19/23</a:t>
             </a:fld>
             <a:endParaRPr lang="en-US"/>
           </a:p>
@@ -3111,7 +3112,7 @@
           <a:p>
             <a:fld id="{FA0BDF2A-8048-BB44-864C-819C200F781C}" type="datetimeFigureOut">
               <a:rPr lang="en-US" smtClean="0"/>
-              <a:t>1/20/22</a:t>
+              <a:t>1/19/23</a:t>
             </a:fld>
             <a:endParaRPr lang="en-US"/>
           </a:p>
@@ -3352,7 +3353,7 @@
           <a:p>
             <a:fld id="{FA0BDF2A-8048-BB44-864C-819C200F781C}" type="datetimeFigureOut">
               <a:rPr lang="en-US" smtClean="0"/>
-              <a:t>1/20/22</a:t>
+              <a:t>1/19/23</a:t>
             </a:fld>
             <a:endParaRPr lang="en-US"/>
           </a:p>
@@ -3873,13 +3874,7 @@
       </p:grpSpPr>
       <p:sp>
         <p:nvSpPr>
-          <p:cNvPr id="2" name="Title 1">
-            <a:extLst>
-              <a:ext uri="{FF2B5EF4-FFF2-40B4-BE49-F238E27FC236}">
-                <a16:creationId xmlns:a16="http://schemas.microsoft.com/office/drawing/2014/main" id="{E10320F3-93FF-AA4D-8714-9AB0CBD73A45}"/>
-              </a:ext>
-            </a:extLst>
-          </p:cNvPr>
+          <p:cNvPr id="2" name="Title 1"/>
           <p:cNvSpPr>
             <a:spLocks noGrp="1"/>
           </p:cNvSpPr>
@@ -3894,20 +3889,14 @@
           <a:p>
             <a:r>
               <a:rPr lang="en-US" dirty="0"/>
-              <a:t>What should my dataset look like?</a:t>
-            </a:r>
-          </a:p>
-        </p:txBody>
-      </p:sp>
-      <p:sp>
-        <p:nvSpPr>
-          <p:cNvPr id="3" name="Content Placeholder 2">
-            <a:extLst>
-              <a:ext uri="{FF2B5EF4-FFF2-40B4-BE49-F238E27FC236}">
-                <a16:creationId xmlns:a16="http://schemas.microsoft.com/office/drawing/2014/main" id="{21E3ADE4-5CDC-E743-A776-CA191D87AD02}"/>
-              </a:ext>
-            </a:extLst>
-          </p:cNvPr>
+              <a:t>Reading data</a:t>
+            </a:r>
+          </a:p>
+        </p:txBody>
+      </p:sp>
+      <p:sp>
+        <p:nvSpPr>
+          <p:cNvPr id="3" name="Content Placeholder 2"/>
           <p:cNvSpPr>
             <a:spLocks noGrp="1"/>
           </p:cNvSpPr>
@@ -3917,14 +3906,36 @@
         </p:nvSpPr>
         <p:spPr/>
         <p:txBody>
-          <a:bodyPr>
-            <a:normAutofit fontScale="85000" lnSpcReduction="20000"/>
-          </a:bodyPr>
+          <a:bodyPr/>
           <a:lstStyle/>
           <a:p>
             <a:r>
               <a:rPr lang="en-US" dirty="0"/>
-              <a:t>Preferably you have a dataset with a couple different variables with some numerical quantity that you have measured</a:t>
+              <a:t>r2 &lt;- </a:t>
+            </a:r>
+            <a:r>
+              <a:rPr lang="en-US" dirty="0" err="1"/>
+              <a:t>read.csv</a:t>
+            </a:r>
+            <a:r>
+              <a:rPr lang="en-US" dirty="0"/>
+              <a:t>("/Users/</a:t>
+            </a:r>
+            <a:r>
+              <a:rPr lang="en-US" dirty="0" err="1"/>
+              <a:t>klangwig</a:t>
+            </a:r>
+            <a:r>
+              <a:rPr lang="en-US" dirty="0"/>
+              <a:t>/Dropbox/Contact rate MS/Network graph/Network data/</a:t>
+            </a:r>
+            <a:r>
+              <a:rPr lang="en-US" dirty="0" err="1"/>
+              <a:t>enviro_master.csv</a:t>
+            </a:r>
+            <a:r>
+              <a:rPr lang="en-US" dirty="0"/>
+              <a:t>")</a:t>
             </a:r>
           </a:p>
           <a:p>
@@ -3933,40 +3944,24 @@
           <a:p>
             <a:r>
               <a:rPr lang="en-US" dirty="0"/>
-              <a:t>Most datasets should therefore have at least 3 columns</a:t>
+              <a:t>Replace with your own directory (can check with right click and “get info”)</a:t>
             </a:r>
           </a:p>
           <a:p>
             <a:endParaRPr lang="en-US" dirty="0"/>
           </a:p>
           <a:p>
-            <a:r>
-              <a:rPr lang="en-US" dirty="0"/>
-              <a:t>The predictor variables can be very simple – e.g. site, species, collector or date are all fine. </a:t>
-            </a:r>
-          </a:p>
-          <a:p>
-            <a:pPr lvl="1"/>
-            <a:r>
-              <a:rPr lang="en-US" dirty="0"/>
-              <a:t>Most of the time, you won’t need a minimum number of observations, although you might need to simulate (e.g. fake) some data for some analyses if your dataset is very small. </a:t>
-            </a:r>
-          </a:p>
-          <a:p>
+            <a:pPr marL="0" indent="0">
+              <a:buNone/>
+            </a:pPr>
             <a:endParaRPr lang="en-US" dirty="0"/>
-          </a:p>
-          <a:p>
-            <a:r>
-              <a:rPr lang="en-US" dirty="0"/>
-              <a:t>For example, you have weighed animals, you have identified each animal to a species (of which you have more than one), and you caught those animals on different dates. </a:t>
-            </a:r>
           </a:p>
         </p:txBody>
       </p:sp>
     </p:spTree>
     <p:extLst>
       <p:ext uri="{BB962C8B-B14F-4D97-AF65-F5344CB8AC3E}">
-        <p14:creationId xmlns:p14="http://schemas.microsoft.com/office/powerpoint/2010/main" val="598873285"/>
+        <p14:creationId xmlns:p14="http://schemas.microsoft.com/office/powerpoint/2010/main" val="2318338493"/>
       </p:ext>
     </p:extLst>
   </p:cSld>
@@ -4247,7 +4242,13 @@
       </p:grpSpPr>
       <p:sp>
         <p:nvSpPr>
-          <p:cNvPr id="2" name="Title 1"/>
+          <p:cNvPr id="2" name="Title 1">
+            <a:extLst>
+              <a:ext uri="{FF2B5EF4-FFF2-40B4-BE49-F238E27FC236}">
+                <a16:creationId xmlns:a16="http://schemas.microsoft.com/office/drawing/2014/main" id="{E10320F3-93FF-AA4D-8714-9AB0CBD73A45}"/>
+              </a:ext>
+            </a:extLst>
+          </p:cNvPr>
           <p:cNvSpPr>
             <a:spLocks noGrp="1"/>
           </p:cNvSpPr>
@@ -4262,14 +4263,20 @@
           <a:p>
             <a:r>
               <a:rPr lang="en-US" dirty="0"/>
-              <a:t>Packages to install</a:t>
-            </a:r>
-          </a:p>
-        </p:txBody>
-      </p:sp>
-      <p:sp>
-        <p:nvSpPr>
-          <p:cNvPr id="3" name="Content Placeholder 2"/>
+              <a:t>What should my dataset look like?</a:t>
+            </a:r>
+          </a:p>
+        </p:txBody>
+      </p:sp>
+      <p:sp>
+        <p:nvSpPr>
+          <p:cNvPr id="3" name="Content Placeholder 2">
+            <a:extLst>
+              <a:ext uri="{FF2B5EF4-FFF2-40B4-BE49-F238E27FC236}">
+                <a16:creationId xmlns:a16="http://schemas.microsoft.com/office/drawing/2014/main" id="{21E3ADE4-5CDC-E743-A776-CA191D87AD02}"/>
+              </a:ext>
+            </a:extLst>
+          </p:cNvPr>
           <p:cNvSpPr>
             <a:spLocks noGrp="1"/>
           </p:cNvSpPr>
@@ -4280,85 +4287,47 @@
         <p:spPr/>
         <p:txBody>
           <a:bodyPr>
-            <a:normAutofit fontScale="70000" lnSpcReduction="20000"/>
+            <a:normAutofit fontScale="85000" lnSpcReduction="20000"/>
           </a:bodyPr>
           <a:lstStyle/>
           <a:p>
             <a:r>
               <a:rPr lang="en-US" dirty="0"/>
-              <a:t>ggplot2</a:t>
-            </a:r>
-          </a:p>
-          <a:p>
-            <a:r>
-              <a:rPr lang="en-US" dirty="0" err="1"/>
-              <a:t>tidyverse</a:t>
-            </a:r>
+              <a:t>Preferably you have a dataset with a couple different variables with some numerical quantity that you have measured</a:t>
+            </a:r>
+          </a:p>
+          <a:p>
             <a:endParaRPr lang="en-US" dirty="0"/>
           </a:p>
           <a:p>
             <a:r>
-              <a:rPr lang="en-US" dirty="0" err="1"/>
-              <a:t>dplyr</a:t>
-            </a:r>
+              <a:rPr lang="en-US" dirty="0"/>
+              <a:t>Most datasets should therefore have at least 3 columns</a:t>
+            </a:r>
+          </a:p>
+          <a:p>
             <a:endParaRPr lang="en-US" dirty="0"/>
           </a:p>
           <a:p>
             <a:r>
               <a:rPr lang="en-US" dirty="0"/>
-              <a:t>reshape2</a:t>
-            </a:r>
-          </a:p>
-          <a:p>
+              <a:t>The predictor variables can be very simple – e.g. site, species, collector or date are all fine. </a:t>
+            </a:r>
+          </a:p>
+          <a:p>
+            <a:pPr lvl="1"/>
             <a:r>
               <a:rPr lang="en-US" dirty="0"/>
-              <a:t>reshape</a:t>
-            </a:r>
-          </a:p>
-          <a:p>
-            <a:r>
-              <a:rPr lang="en-US" dirty="0" err="1"/>
-              <a:t>gridExtra</a:t>
-            </a:r>
+              <a:t>Most of the time, you won’t need a minimum number of observations, although you might need to simulate (e.g. fake) some data for some analyses if your dataset is very small. </a:t>
+            </a:r>
+          </a:p>
+          <a:p>
             <a:endParaRPr lang="en-US" dirty="0"/>
           </a:p>
           <a:p>
             <a:r>
               <a:rPr lang="en-US" dirty="0"/>
-              <a:t>officer</a:t>
-            </a:r>
-          </a:p>
-          <a:p>
-            <a:r>
-              <a:rPr lang="en-US" dirty="0" err="1"/>
-              <a:t>knitr</a:t>
-            </a:r>
-            <a:br>
-              <a:rPr lang="en-US" dirty="0"/>
-            </a:br>
-            <a:endParaRPr lang="en-US" dirty="0"/>
-          </a:p>
-          <a:p>
-            <a:r>
-              <a:rPr lang="en-US" dirty="0"/>
-              <a:t>Load packages with library() </a:t>
-            </a:r>
-            <a:r>
-              <a:rPr lang="mr-IN" dirty="0"/>
-              <a:t>–</a:t>
-            </a:r>
-            <a:r>
-              <a:rPr lang="en-US" dirty="0"/>
-              <a:t> e.g. library(ggplot2)</a:t>
-            </a:r>
-          </a:p>
-          <a:p>
-            <a:endParaRPr lang="en-US" dirty="0"/>
-          </a:p>
-          <a:p>
-            <a:r>
-              <a:rPr lang="en-US" dirty="0"/>
-              <a:t>Can search packages to install using “Packages” tab in lower right, and then clicking “Install”  button</a:t>
+              <a:t>For example, you have weighed animals, you have identified each animal to a species (of which you have more than one), and you caught those animals on different dates. </a:t>
             </a:r>
           </a:p>
         </p:txBody>
@@ -4366,7 +4335,7 @@
     </p:spTree>
     <p:extLst>
       <p:ext uri="{BB962C8B-B14F-4D97-AF65-F5344CB8AC3E}">
-        <p14:creationId xmlns:p14="http://schemas.microsoft.com/office/powerpoint/2010/main" val="1070987784"/>
+        <p14:creationId xmlns:p14="http://schemas.microsoft.com/office/powerpoint/2010/main" val="598873285"/>
       </p:ext>
     </p:extLst>
   </p:cSld>
@@ -4408,131 +4377,113 @@
           <a:bodyPr/>
           <a:lstStyle/>
           <a:p>
-            <a:pPr algn="ctr"/>
             <a:r>
               <a:rPr lang="en-US" dirty="0"/>
-              <a:t>Installing Git and </a:t>
-            </a:r>
+              <a:t>Packages to install</a:t>
+            </a:r>
+          </a:p>
+        </p:txBody>
+      </p:sp>
+      <p:sp>
+        <p:nvSpPr>
+          <p:cNvPr id="3" name="Content Placeholder 2"/>
+          <p:cNvSpPr>
+            <a:spLocks noGrp="1"/>
+          </p:cNvSpPr>
+          <p:nvPr>
+            <p:ph idx="1"/>
+          </p:nvPr>
+        </p:nvSpPr>
+        <p:spPr/>
+        <p:txBody>
+          <a:bodyPr>
+            <a:normAutofit fontScale="70000" lnSpcReduction="20000"/>
+          </a:bodyPr>
+          <a:lstStyle/>
+          <a:p>
+            <a:r>
+              <a:rPr lang="en-US" dirty="0"/>
+              <a:t>ggplot2</a:t>
+            </a:r>
+          </a:p>
+          <a:p>
             <a:r>
               <a:rPr lang="en-US" dirty="0" err="1"/>
-              <a:t>Github</a:t>
-            </a:r>
+              <a:t>tidyverse</a:t>
+            </a:r>
+            <a:endParaRPr lang="en-US" dirty="0"/>
+          </a:p>
+          <a:p>
+            <a:r>
+              <a:rPr lang="en-US" dirty="0" err="1"/>
+              <a:t>dplyr</a:t>
+            </a:r>
+            <a:endParaRPr lang="en-US" dirty="0"/>
+          </a:p>
+          <a:p>
             <a:r>
               <a:rPr lang="en-US" dirty="0"/>
-              <a:t>	- DUE WED!</a:t>
-            </a:r>
-          </a:p>
-        </p:txBody>
-      </p:sp>
-      <p:sp>
-        <p:nvSpPr>
-          <p:cNvPr id="3" name="Content Placeholder 2"/>
-          <p:cNvSpPr>
-            <a:spLocks noGrp="1"/>
-          </p:cNvSpPr>
-          <p:nvPr>
-            <p:ph idx="1"/>
-          </p:nvPr>
-        </p:nvSpPr>
-        <p:spPr/>
-        <p:txBody>
-          <a:bodyPr>
-            <a:normAutofit fontScale="92500" lnSpcReduction="20000"/>
-          </a:bodyPr>
-          <a:lstStyle/>
+              <a:t>reshape2</a:t>
+            </a:r>
+          </a:p>
           <a:p>
             <a:r>
               <a:rPr lang="en-US" dirty="0"/>
-              <a:t>Register for a GitHub account: you can just go straight to https://</a:t>
-            </a:r>
+              <a:t>reshape</a:t>
+            </a:r>
+          </a:p>
+          <a:p>
             <a:r>
               <a:rPr lang="en-US" dirty="0" err="1"/>
-              <a:t>github.com</a:t>
-            </a:r>
+              <a:t>gridExtra</a:t>
+            </a:r>
+            <a:endParaRPr lang="en-US" dirty="0"/>
+          </a:p>
+          <a:p>
             <a:r>
               <a:rPr lang="en-US" dirty="0"/>
-              <a:t> to do this (by clicking on either of the green “Sign up” buttons). The one thing you may want to read first is </a:t>
-            </a:r>
-            <a:r>
-              <a:rPr lang="en-US" dirty="0">
-                <a:hlinkClick r:id="rId2"/>
-              </a:rPr>
-              <a:t>this advice on picking a GitHub user name</a:t>
-            </a:r>
-            <a:r>
+              <a:t>officer</a:t>
+            </a:r>
+          </a:p>
+          <a:p>
+            <a:r>
+              <a:rPr lang="en-US" dirty="0" err="1"/>
+              <a:t>knitr</a:t>
+            </a:r>
+            <a:br>
               <a:rPr lang="en-US" dirty="0"/>
-              <a:t>.</a:t>
-            </a:r>
+            </a:br>
+            <a:endParaRPr lang="en-US" dirty="0"/>
           </a:p>
           <a:p>
             <a:r>
               <a:rPr lang="en-US" dirty="0"/>
-              <a:t>Install Git on your machine. This website provides some helpful instructions for getting started with Git:</a:t>
-            </a:r>
-          </a:p>
-          <a:p>
-            <a:r>
-              <a:rPr lang="en-US" u="sng" dirty="0">
-                <a:hlinkClick r:id="rId3"/>
-              </a:rPr>
-              <a:t>http://happygitwithr.com/install-git.html#install-git </a:t>
-            </a:r>
+              <a:t>Load packages with library() </a:t>
+            </a:r>
+            <a:r>
+              <a:rPr lang="mr-IN" dirty="0"/>
+              <a:t>–</a:t>
+            </a:r>
+            <a:r>
+              <a:rPr lang="en-US" dirty="0"/>
+              <a:t> e.g. library(ggplot2)</a:t>
+            </a:r>
+          </a:p>
+          <a:p>
             <a:endParaRPr lang="en-US" dirty="0"/>
           </a:p>
           <a:p>
-            <a:pPr marL="0" indent="0">
-              <a:buNone/>
-            </a:pPr>
-            <a:endParaRPr lang="en-US" dirty="0"/>
-          </a:p>
-          <a:p>
             <a:r>
               <a:rPr lang="en-US" dirty="0"/>
-              <a:t>if you’re on MacOS, it can be helpful to install </a:t>
-            </a:r>
-            <a:r>
-              <a:rPr lang="en-US" dirty="0" err="1"/>
-              <a:t>Xcode</a:t>
-            </a:r>
-            <a:r>
-              <a:rPr lang="en-US" dirty="0"/>
-              <a:t> ahead of time (</a:t>
-            </a:r>
-            <a:r>
-              <a:rPr lang="en-US" dirty="0">
-                <a:hlinkClick r:id="rId4"/>
-              </a:rPr>
-              <a:t>https://developer.apple.com/download/</a:t>
-            </a:r>
-            <a:r>
-              <a:rPr lang="en-US" dirty="0"/>
-              <a:t>) if you aren’t comfortable with command line</a:t>
-            </a:r>
-          </a:p>
-          <a:p>
-            <a:r>
-              <a:rPr lang="en-US" dirty="0"/>
-              <a:t>Please send me your </a:t>
-            </a:r>
-            <a:r>
-              <a:rPr lang="en-US" dirty="0" err="1"/>
-              <a:t>github</a:t>
-            </a:r>
-            <a:r>
-              <a:rPr lang="en-US" dirty="0"/>
-              <a:t> user name (via canvas)</a:t>
-            </a:r>
-          </a:p>
-          <a:p>
-            <a:pPr lvl="1"/>
-            <a:endParaRPr lang="en-US" dirty="0"/>
+              <a:t>Can search packages to install using “Packages” tab in lower right, and then clicking “Install”  button</a:t>
+            </a:r>
           </a:p>
         </p:txBody>
       </p:sp>
     </p:spTree>
     <p:extLst>
       <p:ext uri="{BB962C8B-B14F-4D97-AF65-F5344CB8AC3E}">
-        <p14:creationId xmlns:p14="http://schemas.microsoft.com/office/powerpoint/2010/main" val="1351501970"/>
+        <p14:creationId xmlns:p14="http://schemas.microsoft.com/office/powerpoint/2010/main" val="1070987784"/>
       </p:ext>
     </p:extLst>
   </p:cSld>
@@ -4577,7 +4528,15 @@
             <a:pPr algn="ctr"/>
             <a:r>
               <a:rPr lang="en-US" dirty="0"/>
-              <a:t>%&gt;% (Piping)</a:t>
+              <a:t>Installing Git and </a:t>
+            </a:r>
+            <a:r>
+              <a:rPr lang="en-US" dirty="0" err="1"/>
+              <a:t>Github</a:t>
+            </a:r>
+            <a:r>
+              <a:rPr lang="en-US" dirty="0"/>
+              <a:t>	- DUE WED!</a:t>
             </a:r>
           </a:p>
         </p:txBody>
@@ -4595,116 +4554,94 @@
         <p:spPr/>
         <p:txBody>
           <a:bodyPr>
-            <a:normAutofit fontScale="62500" lnSpcReduction="20000"/>
+            <a:normAutofit fontScale="92500" lnSpcReduction="20000"/>
           </a:bodyPr>
           <a:lstStyle/>
           <a:p>
             <a:r>
               <a:rPr lang="en-US" dirty="0"/>
-              <a:t>Piping makes code more readable</a:t>
-            </a:r>
-          </a:p>
-          <a:p>
-            <a:endParaRPr lang="en-US" dirty="0"/>
-          </a:p>
-          <a:p>
+              <a:t>Register for a GitHub account: you can just go straight to https://</a:t>
+            </a:r>
+            <a:r>
+              <a:rPr lang="en-US" dirty="0" err="1"/>
+              <a:t>github.com</a:t>
+            </a:r>
             <a:r>
               <a:rPr lang="en-US" dirty="0"/>
-              <a:t>It passes the object on the left side as the first argument of the function on the right side</a:t>
-            </a:r>
-          </a:p>
-          <a:p>
-            <a:endParaRPr lang="en-US" dirty="0"/>
-          </a:p>
-          <a:p>
-            <a:r>
-              <a:rPr lang="en-US" dirty="0"/>
-              <a:t>You can think of the pipe as saying the word “then”</a:t>
-            </a:r>
-          </a:p>
-          <a:p>
-            <a:endParaRPr lang="en-US" dirty="0"/>
-          </a:p>
-          <a:p>
-            <a:r>
-              <a:rPr lang="en-US" dirty="0"/>
-              <a:t>It can save you from using a bunch of parentheses</a:t>
-            </a:r>
-          </a:p>
-          <a:p>
-            <a:endParaRPr lang="en-US" dirty="0"/>
-          </a:p>
-          <a:p>
-            <a:r>
-              <a:rPr lang="en-US" dirty="0"/>
-              <a:t>They are implemented via the </a:t>
-            </a:r>
-            <a:r>
-              <a:rPr lang="en-US" dirty="0" err="1"/>
-              <a:t>magrittr</a:t>
-            </a:r>
-            <a:r>
-              <a:rPr lang="en-US" dirty="0"/>
-              <a:t> package</a:t>
-            </a:r>
-          </a:p>
-          <a:p>
-            <a:r>
-              <a:rPr lang="en-US" dirty="0"/>
-              <a:t>http://</a:t>
-            </a:r>
-            <a:r>
-              <a:rPr lang="en-US" dirty="0" err="1"/>
-              <a:t>blog.revolutionanalytics.com</a:t>
-            </a:r>
-            <a:r>
-              <a:rPr lang="en-US" dirty="0"/>
-              <a:t>/2014/07/</a:t>
-            </a:r>
-            <a:r>
-              <a:rPr lang="en-US" dirty="0" err="1"/>
-              <a:t>magrittr</a:t>
-            </a:r>
-            <a:r>
-              <a:rPr lang="en-US" dirty="0"/>
-              <a:t>-simplifying-r-code-with-</a:t>
-            </a:r>
-            <a:r>
-              <a:rPr lang="en-US" dirty="0" err="1"/>
-              <a:t>pipes.html</a:t>
-            </a:r>
-            <a:endParaRPr lang="en-US" dirty="0"/>
-          </a:p>
-          <a:p>
+              <a:t> to do this (by clicking on either of the green “Sign up” buttons). The one thing you may want to read first is </a:t>
+            </a:r>
             <a:r>
               <a:rPr lang="en-US" dirty="0">
                 <a:hlinkClick r:id="rId2"/>
               </a:rPr>
-              <a:t>https://www.datacamp.com/community/tutorials/pipe-r-tutorial</a:t>
+              <a:t>this advice on picking a GitHub user name</a:t>
+            </a:r>
+            <a:r>
+              <a:rPr lang="en-US" dirty="0"/>
+              <a:t>.</a:t>
+            </a:r>
+          </a:p>
+          <a:p>
+            <a:r>
+              <a:rPr lang="en-US" dirty="0"/>
+              <a:t>Install Git on your machine. This website provides some helpful instructions for getting started with Git:</a:t>
+            </a:r>
+          </a:p>
+          <a:p>
+            <a:r>
+              <a:rPr lang="en-US" u="sng" dirty="0">
+                <a:hlinkClick r:id="rId3"/>
+              </a:rPr>
+              <a:t>http://happygitwithr.com/install-git.html#install-git </a:t>
             </a:r>
             <a:endParaRPr lang="en-US" dirty="0"/>
           </a:p>
           <a:p>
+            <a:pPr marL="0" indent="0">
+              <a:buNone/>
+            </a:pPr>
             <a:endParaRPr lang="en-US" dirty="0"/>
           </a:p>
           <a:p>
             <a:r>
               <a:rPr lang="en-US" dirty="0"/>
-              <a:t>Next week, we’ll start the </a:t>
+              <a:t>if you’re on MacOS, it can be helpful to install </a:t>
             </a:r>
             <a:r>
               <a:rPr lang="en-US" dirty="0" err="1"/>
-              <a:t>dplyr</a:t>
+              <a:t>Xcode</a:t>
             </a:r>
             <a:r>
               <a:rPr lang="en-US" dirty="0"/>
-              <a:t> package</a:t>
-            </a:r>
-          </a:p>
-          <a:p>
-            <a:endParaRPr lang="en-US" dirty="0"/>
-          </a:p>
-          <a:p>
+              <a:t> ahead of time (</a:t>
+            </a:r>
+            <a:r>
+              <a:rPr lang="en-US" dirty="0">
+                <a:hlinkClick r:id="rId4"/>
+              </a:rPr>
+              <a:t>https://developer.apple.com/download/</a:t>
+            </a:r>
+            <a:r>
+              <a:rPr lang="en-US" dirty="0"/>
+              <a:t>) if you aren’t comfortable with command line</a:t>
+            </a:r>
+          </a:p>
+          <a:p>
+            <a:r>
+              <a:rPr lang="en-US" dirty="0"/>
+              <a:t>Please send me your </a:t>
+            </a:r>
+            <a:r>
+              <a:rPr lang="en-US" dirty="0" err="1"/>
+              <a:t>github</a:t>
+            </a:r>
+            <a:r>
+              <a:rPr lang="en-US" dirty="0"/>
+              <a:t> user name (via canvas)</a:t>
+            </a:r>
+          </a:p>
+          <a:p>
+            <a:pPr lvl="1"/>
             <a:endParaRPr lang="en-US" dirty="0"/>
           </a:p>
         </p:txBody>
@@ -4712,7 +4649,7 @@
     </p:spTree>
     <p:extLst>
       <p:ext uri="{BB962C8B-B14F-4D97-AF65-F5344CB8AC3E}">
-        <p14:creationId xmlns:p14="http://schemas.microsoft.com/office/powerpoint/2010/main" val="2318819115"/>
+        <p14:creationId xmlns:p14="http://schemas.microsoft.com/office/powerpoint/2010/main" val="1351501970"/>
       </p:ext>
     </p:extLst>
   </p:cSld>
@@ -4749,9 +4686,189 @@
             <p:ph type="title"/>
           </p:nvPr>
         </p:nvSpPr>
+        <p:spPr/>
+        <p:txBody>
+          <a:bodyPr/>
+          <a:lstStyle/>
+          <a:p>
+            <a:pPr algn="ctr"/>
+            <a:r>
+              <a:rPr lang="en-US" dirty="0"/>
+              <a:t>%&gt;% (Piping)</a:t>
+            </a:r>
+          </a:p>
+        </p:txBody>
+      </p:sp>
+      <p:sp>
+        <p:nvSpPr>
+          <p:cNvPr id="3" name="Content Placeholder 2"/>
+          <p:cNvSpPr>
+            <a:spLocks noGrp="1"/>
+          </p:cNvSpPr>
+          <p:nvPr>
+            <p:ph idx="1"/>
+          </p:nvPr>
+        </p:nvSpPr>
+        <p:spPr/>
+        <p:txBody>
+          <a:bodyPr>
+            <a:normAutofit fontScale="62500" lnSpcReduction="20000"/>
+          </a:bodyPr>
+          <a:lstStyle/>
+          <a:p>
+            <a:r>
+              <a:rPr lang="en-US" dirty="0"/>
+              <a:t>Piping makes code more readable</a:t>
+            </a:r>
+          </a:p>
+          <a:p>
+            <a:endParaRPr lang="en-US" dirty="0"/>
+          </a:p>
+          <a:p>
+            <a:r>
+              <a:rPr lang="en-US" dirty="0"/>
+              <a:t>It passes the object on the left side as the first argument of the function on the right side</a:t>
+            </a:r>
+          </a:p>
+          <a:p>
+            <a:endParaRPr lang="en-US" dirty="0"/>
+          </a:p>
+          <a:p>
+            <a:r>
+              <a:rPr lang="en-US" dirty="0"/>
+              <a:t>You can think of the pipe as saying the word “then”</a:t>
+            </a:r>
+          </a:p>
+          <a:p>
+            <a:endParaRPr lang="en-US" dirty="0"/>
+          </a:p>
+          <a:p>
+            <a:r>
+              <a:rPr lang="en-US" dirty="0"/>
+              <a:t>It can save you from using a bunch of parentheses</a:t>
+            </a:r>
+          </a:p>
+          <a:p>
+            <a:endParaRPr lang="en-US" dirty="0"/>
+          </a:p>
+          <a:p>
+            <a:r>
+              <a:rPr lang="en-US" dirty="0"/>
+              <a:t>They are implemented via the </a:t>
+            </a:r>
+            <a:r>
+              <a:rPr lang="en-US" dirty="0" err="1"/>
+              <a:t>magrittr</a:t>
+            </a:r>
+            <a:r>
+              <a:rPr lang="en-US" dirty="0"/>
+              <a:t> package</a:t>
+            </a:r>
+          </a:p>
+          <a:p>
+            <a:r>
+              <a:rPr lang="en-US" dirty="0"/>
+              <a:t>http://</a:t>
+            </a:r>
+            <a:r>
+              <a:rPr lang="en-US" dirty="0" err="1"/>
+              <a:t>blog.revolutionanalytics.com</a:t>
+            </a:r>
+            <a:r>
+              <a:rPr lang="en-US" dirty="0"/>
+              <a:t>/2014/07/</a:t>
+            </a:r>
+            <a:r>
+              <a:rPr lang="en-US" dirty="0" err="1"/>
+              <a:t>magrittr</a:t>
+            </a:r>
+            <a:r>
+              <a:rPr lang="en-US" dirty="0"/>
+              <a:t>-simplifying-r-code-with-</a:t>
+            </a:r>
+            <a:r>
+              <a:rPr lang="en-US" dirty="0" err="1"/>
+              <a:t>pipes.html</a:t>
+            </a:r>
+            <a:endParaRPr lang="en-US" dirty="0"/>
+          </a:p>
+          <a:p>
+            <a:r>
+              <a:rPr lang="en-US" dirty="0">
+                <a:hlinkClick r:id="rId2"/>
+              </a:rPr>
+              <a:t>https://www.datacamp.com/community/tutorials/pipe-r-tutorial</a:t>
+            </a:r>
+            <a:endParaRPr lang="en-US" dirty="0"/>
+          </a:p>
+          <a:p>
+            <a:endParaRPr lang="en-US" dirty="0"/>
+          </a:p>
+          <a:p>
+            <a:r>
+              <a:rPr lang="en-US" dirty="0"/>
+              <a:t>Next week, we’ll start the </a:t>
+            </a:r>
+            <a:r>
+              <a:rPr lang="en-US" dirty="0" err="1"/>
+              <a:t>dplyr</a:t>
+            </a:r>
+            <a:r>
+              <a:rPr lang="en-US" dirty="0"/>
+              <a:t> package</a:t>
+            </a:r>
+          </a:p>
+          <a:p>
+            <a:endParaRPr lang="en-US" dirty="0"/>
+          </a:p>
+          <a:p>
+            <a:endParaRPr lang="en-US" dirty="0"/>
+          </a:p>
+        </p:txBody>
+      </p:sp>
+    </p:spTree>
+    <p:extLst>
+      <p:ext uri="{BB962C8B-B14F-4D97-AF65-F5344CB8AC3E}">
+        <p14:creationId xmlns:p14="http://schemas.microsoft.com/office/powerpoint/2010/main" val="2318819115"/>
+      </p:ext>
+    </p:extLst>
+  </p:cSld>
+  <p:clrMapOvr>
+    <a:masterClrMapping/>
+  </p:clrMapOvr>
+</p:sld>
+</file>
+
+<file path=ppt/slides/slide9.xml><?xml version="1.0" encoding="utf-8"?>
+<p:sld xmlns:a="http://schemas.openxmlformats.org/drawingml/2006/main" xmlns:r="http://schemas.openxmlformats.org/officeDocument/2006/relationships" xmlns:p="http://schemas.openxmlformats.org/presentationml/2006/main">
+  <p:cSld>
+    <p:spTree>
+      <p:nvGrpSpPr>
+        <p:cNvPr id="1" name=""/>
+        <p:cNvGrpSpPr/>
+        <p:nvPr/>
+      </p:nvGrpSpPr>
+      <p:grpSpPr>
+        <a:xfrm>
+          <a:off x="0" y="0"/>
+          <a:ext cx="0" cy="0"/>
+          <a:chOff x="0" y="0"/>
+          <a:chExt cx="0" cy="0"/>
+        </a:xfrm>
+      </p:grpSpPr>
+      <p:sp>
+        <p:nvSpPr>
+          <p:cNvPr id="2" name="Title 1"/>
+          <p:cNvSpPr>
+            <a:spLocks noGrp="1"/>
+          </p:cNvSpPr>
+          <p:nvPr>
+            <p:ph type="title"/>
+          </p:nvPr>
+        </p:nvSpPr>
         <p:spPr>
           <a:xfrm>
-            <a:off x="756138" y="-281354"/>
+            <a:off x="756138" y="-344854"/>
             <a:ext cx="10515600" cy="1325563"/>
           </a:xfrm>
         </p:spPr>
@@ -4763,13 +4880,13 @@
           <a:p>
             <a:pPr algn="ctr"/>
             <a:r>
-              <a:rPr lang="en-US" sz="1400" dirty="0"/>
+              <a:rPr lang="en-US" sz="1400" b="1" dirty="0"/>
               <a:t>Assignment – if you don’t have data yet, you can use some of the data on canvas, but the paragraph you turn in should be about YOUR data </a:t>
             </a:r>
             <a:br>
-              <a:rPr lang="en-US" sz="1400" dirty="0"/>
+              <a:rPr lang="en-US" sz="1400" b="1" dirty="0"/>
             </a:br>
-            <a:endParaRPr lang="en-US" sz="1400" dirty="0"/>
+            <a:endParaRPr lang="en-US" sz="1400" b="1" dirty="0"/>
           </a:p>
         </p:txBody>
       </p:sp>
@@ -4785,29 +4902,81 @@
         </p:nvSpPr>
         <p:spPr>
           <a:xfrm>
-            <a:off x="756138" y="475212"/>
-            <a:ext cx="10515600" cy="5051502"/>
+            <a:off x="0" y="355600"/>
+            <a:ext cx="12192000" cy="6502400"/>
           </a:xfrm>
         </p:spPr>
         <p:txBody>
-          <a:bodyPr>
-            <a:noAutofit/>
+          <a:bodyPr tIns="0" bIns="0">
+            <a:normAutofit lnSpcReduction="10000"/>
           </a:bodyPr>
           <a:lstStyle/>
           <a:p>
-            <a:pPr marL="0" indent="0">
-              <a:buNone/>
+            <a:pPr marL="342900" indent="-342900" algn="just">
+              <a:buAutoNum type="arabicPeriod"/>
             </a:pPr>
             <a:r>
               <a:rPr lang="en-US" sz="1400" dirty="0"/>
-              <a:t>1. Choose a data set that will be fun to explore for this class, and possibly for the final project. Acquire the data.</a:t>
-            </a:r>
-            <a:br>
+              <a:t>Choose a data set that will be fun to explore for this class, and possibly for the final project. Acquire the data</a:t>
+            </a:r>
+          </a:p>
+          <a:p>
+            <a:pPr marL="342900" indent="-342900" algn="just">
+              <a:buAutoNum type="arabicPeriod"/>
+            </a:pPr>
+            <a:r>
               <a:rPr lang="en-US" sz="1400" dirty="0"/>
-            </a:br>
+              <a:t>Do the following:</a:t>
+            </a:r>
+          </a:p>
+          <a:p>
+            <a:pPr algn="just">
+              <a:buFontTx/>
+              <a:buChar char="-"/>
+            </a:pPr>
             <a:r>
               <a:rPr lang="en-US" sz="1400" dirty="0"/>
-              <a:t>2. Try reading data into R, viewing the data, selecting a column, selecting a row. Do this by row or column number and by value. Type summary(</a:t>
+              <a:t>reading data into R</a:t>
+            </a:r>
+          </a:p>
+          <a:p>
+            <a:pPr algn="just">
+              <a:buFontTx/>
+              <a:buChar char="-"/>
+            </a:pPr>
+            <a:r>
+              <a:rPr lang="en-US" sz="1400" dirty="0"/>
+              <a:t>Use View to viewing the data</a:t>
+            </a:r>
+          </a:p>
+          <a:p>
+            <a:pPr algn="just">
+              <a:buFontTx/>
+              <a:buChar char="-"/>
+            </a:pPr>
+            <a:r>
+              <a:rPr lang="en-US" sz="1400" dirty="0"/>
+              <a:t>Selecting a column</a:t>
+            </a:r>
+          </a:p>
+          <a:p>
+            <a:pPr algn="just">
+              <a:buFontTx/>
+              <a:buChar char="-"/>
+            </a:pPr>
+            <a:r>
+              <a:rPr lang="en-US" sz="1400" dirty="0"/>
+              <a:t>Selecting a row. </a:t>
+            </a:r>
+          </a:p>
+          <a:p>
+            <a:pPr algn="just">
+              <a:buFontTx/>
+              <a:buChar char="-"/>
+            </a:pPr>
+            <a:r>
+              <a:rPr lang="en-US" sz="1400" dirty="0"/>
+              <a:t>Type summary(</a:t>
             </a:r>
             <a:r>
               <a:rPr lang="en-US" sz="1400" dirty="0" err="1"/>
@@ -4817,19 +4986,33 @@
               <a:rPr lang="en-US" sz="1400" dirty="0"/>
               <a:t>). What does this give you?</a:t>
             </a:r>
-            <a:br>
+          </a:p>
+          <a:p>
+            <a:pPr algn="just">
+              <a:buFontTx/>
+              <a:buChar char="-"/>
+            </a:pPr>
+            <a:r>
               <a:rPr lang="en-US" sz="1400" dirty="0"/>
-            </a:br>
+              <a:t>Do a calculations with your data </a:t>
+            </a:r>
+            <a:r>
+              <a:rPr lang="en-US" sz="1400" dirty="0" err="1"/>
+              <a:t>whre</a:t>
+            </a:r>
             <a:r>
               <a:rPr lang="en-US" sz="1400" dirty="0"/>
-              <a:t>3. Do some calculations with your data. Add a column.</a:t>
-            </a:r>
-            <a:br>
+              <a:t> you add a column (e.g. log a variable, add 1 to a columns value)</a:t>
+            </a:r>
+          </a:p>
+          <a:p>
+            <a:pPr algn="just">
+              <a:buFontTx/>
+              <a:buChar char="-"/>
+            </a:pPr>
+            <a:r>
               <a:rPr lang="en-US" sz="1400" dirty="0"/>
-            </a:br>
-            <a:r>
-              <a:rPr lang="en-US" sz="1400" dirty="0"/>
-              <a:t>4. Aggregate your data. See ?”aggregate” for help. Also, make a data table.  </a:t>
+              <a:t>Use base R to aggregate your data. See ?”aggregate” for help. Also, make a data table.  </a:t>
             </a:r>
           </a:p>
           <a:p>
@@ -4922,7 +5105,7 @@
             </a:br>
             <a:r>
               <a:rPr lang="en-US" sz="1400" dirty="0"/>
-              <a:t>6. You will upload your annotated code and data file of the above on GitHub on week 2. where you have completed the above. Be sure to also upload your data file. </a:t>
+              <a:t>6. You will upload your annotated code and data file of the above on GitHub on week 2 where you have completed the above. Be sure to also upload your data file. </a:t>
             </a:r>
           </a:p>
           <a:p>

--- a/lectures/week_1_intro_to_R/ex1_intro_to_R.pptx
+++ b/lectures/week_1_intro_to_R/ex1_intro_to_R.pptx
@@ -205,7 +205,7 @@
           <a:p>
             <a:fld id="{E3F55388-6A8F-1341-9D1E-B023B27BE3D5}" type="datetimeFigureOut">
               <a:rPr lang="en-US" smtClean="0"/>
-              <a:t>1/19/23</a:t>
+              <a:t>1/15/24</a:t>
             </a:fld>
             <a:endParaRPr lang="en-US"/>
           </a:p>
@@ -703,7 +703,7 @@
           <a:p>
             <a:fld id="{FA0BDF2A-8048-BB44-864C-819C200F781C}" type="datetimeFigureOut">
               <a:rPr lang="en-US" smtClean="0"/>
-              <a:t>1/19/23</a:t>
+              <a:t>1/15/24</a:t>
             </a:fld>
             <a:endParaRPr lang="en-US"/>
           </a:p>
@@ -901,7 +901,7 @@
           <a:p>
             <a:fld id="{FA0BDF2A-8048-BB44-864C-819C200F781C}" type="datetimeFigureOut">
               <a:rPr lang="en-US" smtClean="0"/>
-              <a:t>1/19/23</a:t>
+              <a:t>1/15/24</a:t>
             </a:fld>
             <a:endParaRPr lang="en-US"/>
           </a:p>
@@ -1109,7 +1109,7 @@
           <a:p>
             <a:fld id="{FA0BDF2A-8048-BB44-864C-819C200F781C}" type="datetimeFigureOut">
               <a:rPr lang="en-US" smtClean="0"/>
-              <a:t>1/19/23</a:t>
+              <a:t>1/15/24</a:t>
             </a:fld>
             <a:endParaRPr lang="en-US"/>
           </a:p>
@@ -1307,7 +1307,7 @@
           <a:p>
             <a:fld id="{FA0BDF2A-8048-BB44-864C-819C200F781C}" type="datetimeFigureOut">
               <a:rPr lang="en-US" smtClean="0"/>
-              <a:t>1/19/23</a:t>
+              <a:t>1/15/24</a:t>
             </a:fld>
             <a:endParaRPr lang="en-US"/>
           </a:p>
@@ -1582,7 +1582,7 @@
           <a:p>
             <a:fld id="{FA0BDF2A-8048-BB44-864C-819C200F781C}" type="datetimeFigureOut">
               <a:rPr lang="en-US" smtClean="0"/>
-              <a:t>1/19/23</a:t>
+              <a:t>1/15/24</a:t>
             </a:fld>
             <a:endParaRPr lang="en-US"/>
           </a:p>
@@ -1847,7 +1847,7 @@
           <a:p>
             <a:fld id="{FA0BDF2A-8048-BB44-864C-819C200F781C}" type="datetimeFigureOut">
               <a:rPr lang="en-US" smtClean="0"/>
-              <a:t>1/19/23</a:t>
+              <a:t>1/15/24</a:t>
             </a:fld>
             <a:endParaRPr lang="en-US"/>
           </a:p>
@@ -2259,7 +2259,7 @@
           <a:p>
             <a:fld id="{FA0BDF2A-8048-BB44-864C-819C200F781C}" type="datetimeFigureOut">
               <a:rPr lang="en-US" smtClean="0"/>
-              <a:t>1/19/23</a:t>
+              <a:t>1/15/24</a:t>
             </a:fld>
             <a:endParaRPr lang="en-US"/>
           </a:p>
@@ -2400,7 +2400,7 @@
           <a:p>
             <a:fld id="{FA0BDF2A-8048-BB44-864C-819C200F781C}" type="datetimeFigureOut">
               <a:rPr lang="en-US" smtClean="0"/>
-              <a:t>1/19/23</a:t>
+              <a:t>1/15/24</a:t>
             </a:fld>
             <a:endParaRPr lang="en-US"/>
           </a:p>
@@ -2513,7 +2513,7 @@
           <a:p>
             <a:fld id="{FA0BDF2A-8048-BB44-864C-819C200F781C}" type="datetimeFigureOut">
               <a:rPr lang="en-US" smtClean="0"/>
-              <a:t>1/19/23</a:t>
+              <a:t>1/15/24</a:t>
             </a:fld>
             <a:endParaRPr lang="en-US"/>
           </a:p>
@@ -2824,7 +2824,7 @@
           <a:p>
             <a:fld id="{FA0BDF2A-8048-BB44-864C-819C200F781C}" type="datetimeFigureOut">
               <a:rPr lang="en-US" smtClean="0"/>
-              <a:t>1/19/23</a:t>
+              <a:t>1/15/24</a:t>
             </a:fld>
             <a:endParaRPr lang="en-US"/>
           </a:p>
@@ -3112,7 +3112,7 @@
           <a:p>
             <a:fld id="{FA0BDF2A-8048-BB44-864C-819C200F781C}" type="datetimeFigureOut">
               <a:rPr lang="en-US" smtClean="0"/>
-              <a:t>1/19/23</a:t>
+              <a:t>1/15/24</a:t>
             </a:fld>
             <a:endParaRPr lang="en-US"/>
           </a:p>
@@ -3353,7 +3353,7 @@
           <a:p>
             <a:fld id="{FA0BDF2A-8048-BB44-864C-819C200F781C}" type="datetimeFigureOut">
               <a:rPr lang="en-US" smtClean="0"/>
-              <a:t>1/19/23</a:t>
+              <a:t>1/15/24</a:t>
             </a:fld>
             <a:endParaRPr lang="en-US"/>
           </a:p>
@@ -4956,7 +4956,7 @@
             </a:pPr>
             <a:r>
               <a:rPr lang="en-US" sz="1400" dirty="0"/>
-              <a:t>Selecting a column</a:t>
+              <a:t>Explore the structure of different columns – what are they? Are any wrong?</a:t>
             </a:r>
           </a:p>
           <a:p>
@@ -4966,7 +4966,15 @@
             </a:pPr>
             <a:r>
               <a:rPr lang="en-US" sz="1400" dirty="0"/>
-              <a:t>Selecting a row. </a:t>
+              <a:t>What are the dimensions of your </a:t>
+            </a:r>
+            <a:r>
+              <a:rPr lang="en-US" sz="1400" dirty="0" err="1"/>
+              <a:t>dataframe</a:t>
+            </a:r>
+            <a:r>
+              <a:rPr lang="en-US" sz="1400" dirty="0"/>
+              <a:t>? What does this mean?</a:t>
             </a:r>
           </a:p>
           <a:p>
@@ -4976,15 +4984,7 @@
             </a:pPr>
             <a:r>
               <a:rPr lang="en-US" sz="1400" dirty="0"/>
-              <a:t>Type summary(</a:t>
-            </a:r>
-            <a:r>
-              <a:rPr lang="en-US" sz="1400" dirty="0" err="1"/>
-              <a:t>yourdata</a:t>
-            </a:r>
-            <a:r>
-              <a:rPr lang="en-US" sz="1400" dirty="0"/>
-              <a:t>). What does this give you?</a:t>
+              <a:t>Selecting a column using square brackets and logical statements</a:t>
             </a:r>
           </a:p>
           <a:p>
@@ -4994,15 +4994,15 @@
             </a:pPr>
             <a:r>
               <a:rPr lang="en-US" sz="1400" dirty="0"/>
-              <a:t>Do a calculations with your data </a:t>
+              <a:t>Type summary(</a:t>
             </a:r>
             <a:r>
               <a:rPr lang="en-US" sz="1400" dirty="0" err="1"/>
-              <a:t>whre</a:t>
+              <a:t>yourdata</a:t>
             </a:r>
             <a:r>
               <a:rPr lang="en-US" sz="1400" dirty="0"/>
-              <a:t> you add a column (e.g. log a variable, add 1 to a columns value)</a:t>
+              <a:t>). What does this give you?</a:t>
             </a:r>
           </a:p>
           <a:p>
@@ -5012,7 +5012,17 @@
             </a:pPr>
             <a:r>
               <a:rPr lang="en-US" sz="1400" dirty="0"/>
-              <a:t>Use base R to aggregate your data. See ?”aggregate” for help. Also, make a data table.  </a:t>
+              <a:t>Do a calculations with your data where you add a column (e.g. log a variable, add 1 to a columns value)</a:t>
+            </a:r>
+          </a:p>
+          <a:p>
+            <a:pPr algn="just">
+              <a:buFontTx/>
+              <a:buChar char="-"/>
+            </a:pPr>
+            <a:r>
+              <a:rPr lang="en-US" sz="1400" dirty="0"/>
+              <a:t>Use base R to aggregate your data. See ?”aggregate” for help.  </a:t>
             </a:r>
           </a:p>
           <a:p>
@@ -5044,31 +5054,12 @@
             </a:r>
             <a:r>
               <a:rPr lang="en-US" sz="1400" i="1" dirty="0"/>
-              <a:t>=</a:t>
-            </a:r>
-            <a:r>
-              <a:rPr lang="en-US" sz="1400" i="1" dirty="0" err="1"/>
-              <a:t>dm</a:t>
-            </a:r>
-            <a:r>
-              <a:rPr lang="en-US" sz="1400" i="1" dirty="0"/>
-              <a:t>)</a:t>
+              <a:t>=dm)</a:t>
             </a:r>
             <a:br>
               <a:rPr lang="en-US" sz="1400" i="1" dirty="0"/>
             </a:br>
-            <a:r>
-              <a:rPr lang="en-US" sz="1400" i="1" dirty="0"/>
-              <a:t>tab1 &lt;- table(</a:t>
-            </a:r>
-            <a:r>
-              <a:rPr lang="en-US" sz="1400" i="1" dirty="0" err="1"/>
-              <a:t>dm$site_date,dm$species</a:t>
-            </a:r>
-            <a:r>
-              <a:rPr lang="en-US" sz="1400" i="1" dirty="0"/>
-              <a:t>)</a:t>
-            </a:r>
+            <a:endParaRPr lang="en-US" sz="1400" i="1" dirty="0"/>
           </a:p>
           <a:p>
             <a:pPr marL="0" indent="0">
@@ -5139,23 +5130,20 @@
             </a:r>
             <a:r>
               <a:rPr lang="en-US" sz="1400" i="1" dirty="0"/>
-              <a:t> functions paired with piping to make the same table I do with base R.</a:t>
+              <a:t> functions paired with piping to do the equivalent of aggregate and square brackets in </a:t>
+            </a:r>
+            <a:r>
+              <a:rPr lang="en-US" sz="1400" i="1" dirty="0" err="1"/>
+              <a:t>tidyverse</a:t>
+            </a:r>
+            <a:r>
+              <a:rPr lang="en-US" sz="1400" i="1" dirty="0"/>
+              <a:t>.</a:t>
             </a:r>
             <a:br>
               <a:rPr lang="en-US" sz="1400" i="1" dirty="0"/>
             </a:br>
-            <a:r>
-              <a:rPr lang="en-US" sz="1400" dirty="0"/>
-              <a:t>7. Using the officers package, output your tables into a word document (see the code in files for example with officer). Try something fancier than I have in my example and play around with table formatting. If you have a mac, you will need </a:t>
-            </a:r>
-            <a:r>
-              <a:rPr lang="en-US" sz="1400" dirty="0" err="1"/>
-              <a:t>xquartz</a:t>
-            </a:r>
-            <a:r>
-              <a:rPr lang="en-US" sz="1400" dirty="0"/>
-              <a:t> to get officers to work. </a:t>
-            </a:r>
+            <a:endParaRPr lang="en-US" sz="1400" i="1" dirty="0"/>
           </a:p>
           <a:p>
             <a:pPr marL="0" indent="0">
@@ -5173,7 +5161,7 @@
             </a:pPr>
             <a:r>
               <a:rPr lang="en-US" sz="1400" dirty="0"/>
-              <a:t>8. All the steps above, but make an </a:t>
+              <a:t>7. All the steps above, but make an </a:t>
             </a:r>
             <a:r>
               <a:rPr lang="en-US" sz="1400" dirty="0" err="1"/>

--- a/lectures/week_1_intro_to_R/ex1_intro_to_R.pptx
+++ b/lectures/week_1_intro_to_R/ex1_intro_to_R.pptx
@@ -5,18 +5,14 @@
     <p:sldMasterId id="2147483648" r:id="rId1"/>
   </p:sldMasterIdLst>
   <p:notesMasterIdLst>
-    <p:notesMasterId r:id="rId11"/>
+    <p:notesMasterId r:id="rId7"/>
   </p:notesMasterIdLst>
   <p:sldIdLst>
     <p:sldId id="256" r:id="rId2"/>
-    <p:sldId id="289" r:id="rId3"/>
-    <p:sldId id="292" r:id="rId4"/>
-    <p:sldId id="293" r:id="rId5"/>
-    <p:sldId id="258" r:id="rId6"/>
-    <p:sldId id="291" r:id="rId7"/>
-    <p:sldId id="259" r:id="rId8"/>
-    <p:sldId id="294" r:id="rId9"/>
-    <p:sldId id="290" r:id="rId10"/>
+    <p:sldId id="258" r:id="rId3"/>
+    <p:sldId id="259" r:id="rId4"/>
+    <p:sldId id="294" r:id="rId5"/>
+    <p:sldId id="290" r:id="rId6"/>
   </p:sldIdLst>
   <p:sldSz cx="12192000" cy="6858000"/>
   <p:notesSz cx="6858000" cy="9144000"/>
@@ -205,7 +201,7 @@
           <a:p>
             <a:fld id="{E3F55388-6A8F-1341-9D1E-B023B27BE3D5}" type="datetimeFigureOut">
               <a:rPr lang="en-US" smtClean="0"/>
-              <a:t>1/15/24</a:t>
+              <a:t>1/18/24</a:t>
             </a:fld>
             <a:endParaRPr lang="en-US"/>
           </a:p>
@@ -472,90 +468,6 @@
 </p:notesMaster>
 </file>
 
-<file path=ppt/notesSlides/notesSlide1.xml><?xml version="1.0" encoding="utf-8"?>
-<p:notes xmlns:a="http://schemas.openxmlformats.org/drawingml/2006/main" xmlns:r="http://schemas.openxmlformats.org/officeDocument/2006/relationships" xmlns:p="http://schemas.openxmlformats.org/presentationml/2006/main">
-  <p:cSld>
-    <p:spTree>
-      <p:nvGrpSpPr>
-        <p:cNvPr id="1" name=""/>
-        <p:cNvGrpSpPr/>
-        <p:nvPr/>
-      </p:nvGrpSpPr>
-      <p:grpSpPr>
-        <a:xfrm>
-          <a:off x="0" y="0"/>
-          <a:ext cx="0" cy="0"/>
-          <a:chOff x="0" y="0"/>
-          <a:chExt cx="0" cy="0"/>
-        </a:xfrm>
-      </p:grpSpPr>
-      <p:sp>
-        <p:nvSpPr>
-          <p:cNvPr id="2" name="Slide Image Placeholder 1"/>
-          <p:cNvSpPr>
-            <a:spLocks noGrp="1" noRot="1" noChangeAspect="1"/>
-          </p:cNvSpPr>
-          <p:nvPr>
-            <p:ph type="sldImg"/>
-          </p:nvPr>
-        </p:nvSpPr>
-        <p:spPr/>
-      </p:sp>
-      <p:sp>
-        <p:nvSpPr>
-          <p:cNvPr id="3" name="Notes Placeholder 2"/>
-          <p:cNvSpPr>
-            <a:spLocks noGrp="1"/>
-          </p:cNvSpPr>
-          <p:nvPr>
-            <p:ph type="body" idx="1"/>
-          </p:nvPr>
-        </p:nvSpPr>
-        <p:spPr/>
-        <p:txBody>
-          <a:bodyPr/>
-          <a:lstStyle/>
-          <a:p>
-            <a:endParaRPr lang="en-US" dirty="0"/>
-          </a:p>
-        </p:txBody>
-      </p:sp>
-      <p:sp>
-        <p:nvSpPr>
-          <p:cNvPr id="4" name="Slide Number Placeholder 3"/>
-          <p:cNvSpPr>
-            <a:spLocks noGrp="1"/>
-          </p:cNvSpPr>
-          <p:nvPr>
-            <p:ph type="sldNum" sz="quarter" idx="5"/>
-          </p:nvPr>
-        </p:nvSpPr>
-        <p:spPr/>
-        <p:txBody>
-          <a:bodyPr/>
-          <a:lstStyle/>
-          <a:p>
-            <a:fld id="{18D06CE0-210B-C547-B7C0-679F4950FCC7}" type="slidenum">
-              <a:rPr lang="en-US" smtClean="0"/>
-              <a:t>6</a:t>
-            </a:fld>
-            <a:endParaRPr lang="en-US"/>
-          </a:p>
-        </p:txBody>
-      </p:sp>
-    </p:spTree>
-    <p:extLst>
-      <p:ext uri="{BB962C8B-B14F-4D97-AF65-F5344CB8AC3E}">
-        <p14:creationId xmlns:p14="http://schemas.microsoft.com/office/powerpoint/2010/main" val="1416154497"/>
-      </p:ext>
-    </p:extLst>
-  </p:cSld>
-  <p:clrMapOvr>
-    <a:masterClrMapping/>
-  </p:clrMapOvr>
-</p:notes>
-</file>
-
 <file path=ppt/slideLayouts/slideLayout1.xml><?xml version="1.0" encoding="utf-8"?>
 <p:sldLayout xmlns:a="http://schemas.openxmlformats.org/drawingml/2006/main" xmlns:r="http://schemas.openxmlformats.org/officeDocument/2006/relationships" xmlns:p="http://schemas.openxmlformats.org/presentationml/2006/main" type="title" preserve="1">
   <p:cSld name="Title Slide">
@@ -703,7 +615,7 @@
           <a:p>
             <a:fld id="{FA0BDF2A-8048-BB44-864C-819C200F781C}" type="datetimeFigureOut">
               <a:rPr lang="en-US" smtClean="0"/>
-              <a:t>1/15/24</a:t>
+              <a:t>1/18/24</a:t>
             </a:fld>
             <a:endParaRPr lang="en-US"/>
           </a:p>
@@ -901,7 +813,7 @@
           <a:p>
             <a:fld id="{FA0BDF2A-8048-BB44-864C-819C200F781C}" type="datetimeFigureOut">
               <a:rPr lang="en-US" smtClean="0"/>
-              <a:t>1/15/24</a:t>
+              <a:t>1/18/24</a:t>
             </a:fld>
             <a:endParaRPr lang="en-US"/>
           </a:p>
@@ -1109,7 +1021,7 @@
           <a:p>
             <a:fld id="{FA0BDF2A-8048-BB44-864C-819C200F781C}" type="datetimeFigureOut">
               <a:rPr lang="en-US" smtClean="0"/>
-              <a:t>1/15/24</a:t>
+              <a:t>1/18/24</a:t>
             </a:fld>
             <a:endParaRPr lang="en-US"/>
           </a:p>
@@ -1307,7 +1219,7 @@
           <a:p>
             <a:fld id="{FA0BDF2A-8048-BB44-864C-819C200F781C}" type="datetimeFigureOut">
               <a:rPr lang="en-US" smtClean="0"/>
-              <a:t>1/15/24</a:t>
+              <a:t>1/18/24</a:t>
             </a:fld>
             <a:endParaRPr lang="en-US"/>
           </a:p>
@@ -1582,7 +1494,7 @@
           <a:p>
             <a:fld id="{FA0BDF2A-8048-BB44-864C-819C200F781C}" type="datetimeFigureOut">
               <a:rPr lang="en-US" smtClean="0"/>
-              <a:t>1/15/24</a:t>
+              <a:t>1/18/24</a:t>
             </a:fld>
             <a:endParaRPr lang="en-US"/>
           </a:p>
@@ -1847,7 +1759,7 @@
           <a:p>
             <a:fld id="{FA0BDF2A-8048-BB44-864C-819C200F781C}" type="datetimeFigureOut">
               <a:rPr lang="en-US" smtClean="0"/>
-              <a:t>1/15/24</a:t>
+              <a:t>1/18/24</a:t>
             </a:fld>
             <a:endParaRPr lang="en-US"/>
           </a:p>
@@ -2259,7 +2171,7 @@
           <a:p>
             <a:fld id="{FA0BDF2A-8048-BB44-864C-819C200F781C}" type="datetimeFigureOut">
               <a:rPr lang="en-US" smtClean="0"/>
-              <a:t>1/15/24</a:t>
+              <a:t>1/18/24</a:t>
             </a:fld>
             <a:endParaRPr lang="en-US"/>
           </a:p>
@@ -2400,7 +2312,7 @@
           <a:p>
             <a:fld id="{FA0BDF2A-8048-BB44-864C-819C200F781C}" type="datetimeFigureOut">
               <a:rPr lang="en-US" smtClean="0"/>
-              <a:t>1/15/24</a:t>
+              <a:t>1/18/24</a:t>
             </a:fld>
             <a:endParaRPr lang="en-US"/>
           </a:p>
@@ -2513,7 +2425,7 @@
           <a:p>
             <a:fld id="{FA0BDF2A-8048-BB44-864C-819C200F781C}" type="datetimeFigureOut">
               <a:rPr lang="en-US" smtClean="0"/>
-              <a:t>1/15/24</a:t>
+              <a:t>1/18/24</a:t>
             </a:fld>
             <a:endParaRPr lang="en-US"/>
           </a:p>
@@ -2824,7 +2736,7 @@
           <a:p>
             <a:fld id="{FA0BDF2A-8048-BB44-864C-819C200F781C}" type="datetimeFigureOut">
               <a:rPr lang="en-US" smtClean="0"/>
-              <a:t>1/15/24</a:t>
+              <a:t>1/18/24</a:t>
             </a:fld>
             <a:endParaRPr lang="en-US"/>
           </a:p>
@@ -3112,7 +3024,7 @@
           <a:p>
             <a:fld id="{FA0BDF2A-8048-BB44-864C-819C200F781C}" type="datetimeFigureOut">
               <a:rPr lang="en-US" smtClean="0"/>
-              <a:t>1/15/24</a:t>
+              <a:t>1/18/24</a:t>
             </a:fld>
             <a:endParaRPr lang="en-US"/>
           </a:p>
@@ -3353,7 +3265,7 @@
           <a:p>
             <a:fld id="{FA0BDF2A-8048-BB44-864C-819C200F781C}" type="datetimeFigureOut">
               <a:rPr lang="en-US" smtClean="0"/>
-              <a:t>1/15/24</a:t>
+              <a:t>1/18/24</a:t>
             </a:fld>
             <a:endParaRPr lang="en-US"/>
           </a:p>
@@ -3874,7 +3786,13 @@
       </p:grpSpPr>
       <p:sp>
         <p:nvSpPr>
-          <p:cNvPr id="2" name="Title 1"/>
+          <p:cNvPr id="2" name="Title 1">
+            <a:extLst>
+              <a:ext uri="{FF2B5EF4-FFF2-40B4-BE49-F238E27FC236}">
+                <a16:creationId xmlns:a16="http://schemas.microsoft.com/office/drawing/2014/main" id="{E10320F3-93FF-AA4D-8714-9AB0CBD73A45}"/>
+              </a:ext>
+            </a:extLst>
+          </p:cNvPr>
           <p:cNvSpPr>
             <a:spLocks noGrp="1"/>
           </p:cNvSpPr>
@@ -3889,14 +3807,20 @@
           <a:p>
             <a:r>
               <a:rPr lang="en-US" dirty="0"/>
-              <a:t>Reading data</a:t>
-            </a:r>
-          </a:p>
-        </p:txBody>
-      </p:sp>
-      <p:sp>
-        <p:nvSpPr>
-          <p:cNvPr id="3" name="Content Placeholder 2"/>
+              <a:t>What should my dataset look like?</a:t>
+            </a:r>
+          </a:p>
+        </p:txBody>
+      </p:sp>
+      <p:sp>
+        <p:nvSpPr>
+          <p:cNvPr id="3" name="Content Placeholder 2">
+            <a:extLst>
+              <a:ext uri="{FF2B5EF4-FFF2-40B4-BE49-F238E27FC236}">
+                <a16:creationId xmlns:a16="http://schemas.microsoft.com/office/drawing/2014/main" id="{21E3ADE4-5CDC-E743-A776-CA191D87AD02}"/>
+              </a:ext>
+            </a:extLst>
+          </p:cNvPr>
           <p:cNvSpPr>
             <a:spLocks noGrp="1"/>
           </p:cNvSpPr>
@@ -3906,36 +3830,39 @@
         </p:nvSpPr>
         <p:spPr/>
         <p:txBody>
-          <a:bodyPr/>
+          <a:bodyPr>
+            <a:normAutofit fontScale="85000" lnSpcReduction="20000"/>
+          </a:bodyPr>
           <a:lstStyle/>
           <a:p>
             <a:r>
               <a:rPr lang="en-US" dirty="0"/>
-              <a:t>r2 &lt;- </a:t>
-            </a:r>
-            <a:r>
-              <a:rPr lang="en-US" dirty="0" err="1"/>
-              <a:t>read.csv</a:t>
-            </a:r>
+              <a:t>Preferably you have a dataset with a couple different variables with some numerical quantity that you have measured</a:t>
+            </a:r>
+          </a:p>
+          <a:p>
+            <a:endParaRPr lang="en-US" dirty="0"/>
+          </a:p>
+          <a:p>
             <a:r>
               <a:rPr lang="en-US" dirty="0"/>
-              <a:t>("/Users/</a:t>
-            </a:r>
-            <a:r>
-              <a:rPr lang="en-US" dirty="0" err="1"/>
-              <a:t>klangwig</a:t>
-            </a:r>
+              <a:t>Most datasets should therefore have at least 3 columns</a:t>
+            </a:r>
+          </a:p>
+          <a:p>
+            <a:endParaRPr lang="en-US" dirty="0"/>
+          </a:p>
+          <a:p>
             <a:r>
               <a:rPr lang="en-US" dirty="0"/>
-              <a:t>/Dropbox/Contact rate MS/Network graph/Network data/</a:t>
-            </a:r>
-            <a:r>
-              <a:rPr lang="en-US" dirty="0" err="1"/>
-              <a:t>enviro_master.csv</a:t>
-            </a:r>
+              <a:t>The predictor variables can be very simple – e.g. site, species, collector or date are all fine. </a:t>
+            </a:r>
+          </a:p>
+          <a:p>
+            <a:pPr lvl="1"/>
             <a:r>
               <a:rPr lang="en-US" dirty="0"/>
-              <a:t>")</a:t>
+              <a:t>Most of the time, you won’t need a minimum number of observations, although you might need to simulate (e.g. fake) some data for some analyses if your dataset is very small. </a:t>
             </a:r>
           </a:p>
           <a:p>
@@ -3944,24 +3871,15 @@
           <a:p>
             <a:r>
               <a:rPr lang="en-US" dirty="0"/>
-              <a:t>Replace with your own directory (can check with right click and “get info”)</a:t>
-            </a:r>
-          </a:p>
-          <a:p>
-            <a:endParaRPr lang="en-US" dirty="0"/>
-          </a:p>
-          <a:p>
-            <a:pPr marL="0" indent="0">
-              <a:buNone/>
-            </a:pPr>
-            <a:endParaRPr lang="en-US" dirty="0"/>
+              <a:t>For example, you have weighed animals, you have identified each animal to a species (of which you have more than one), and you caught those animals on different dates. </a:t>
+            </a:r>
           </a:p>
         </p:txBody>
       </p:sp>
     </p:spTree>
     <p:extLst>
       <p:ext uri="{BB962C8B-B14F-4D97-AF65-F5344CB8AC3E}">
-        <p14:creationId xmlns:p14="http://schemas.microsoft.com/office/powerpoint/2010/main" val="2318338493"/>
+        <p14:creationId xmlns:p14="http://schemas.microsoft.com/office/powerpoint/2010/main" val="598873285"/>
       </p:ext>
     </p:extLst>
   </p:cSld>
@@ -3990,13 +3908,7 @@
       </p:grpSpPr>
       <p:sp>
         <p:nvSpPr>
-          <p:cNvPr id="2" name="Title 1">
-            <a:extLst>
-              <a:ext uri="{FF2B5EF4-FFF2-40B4-BE49-F238E27FC236}">
-                <a16:creationId xmlns:a16="http://schemas.microsoft.com/office/drawing/2014/main" id="{8AE713AB-3B6A-ED4D-9165-AB18492B1BD7}"/>
-              </a:ext>
-            </a:extLst>
-          </p:cNvPr>
+          <p:cNvPr id="2" name="Title 1"/>
           <p:cNvSpPr>
             <a:spLocks noGrp="1"/>
           </p:cNvSpPr>
@@ -4009,22 +3921,25 @@
           <a:bodyPr/>
           <a:lstStyle/>
           <a:p>
+            <a:pPr algn="ctr"/>
             <a:r>
               <a:rPr lang="en-US" dirty="0"/>
-              <a:t>Creating a project</a:t>
-            </a:r>
-          </a:p>
-        </p:txBody>
-      </p:sp>
-      <p:sp>
-        <p:nvSpPr>
-          <p:cNvPr id="3" name="Content Placeholder 2">
-            <a:extLst>
-              <a:ext uri="{FF2B5EF4-FFF2-40B4-BE49-F238E27FC236}">
-                <a16:creationId xmlns:a16="http://schemas.microsoft.com/office/drawing/2014/main" id="{775D7CB6-9E06-3D4C-8F01-FABD6B0C7DD1}"/>
-              </a:ext>
-            </a:extLst>
-          </p:cNvPr>
+              <a:t>Installing Git and </a:t>
+            </a:r>
+            <a:r>
+              <a:rPr lang="en-US" dirty="0" err="1"/>
+              <a:t>Github</a:t>
+            </a:r>
+            <a:r>
+              <a:rPr lang="en-US" dirty="0"/>
+              <a:t>	- DUE WED!</a:t>
+            </a:r>
+          </a:p>
+        </p:txBody>
+      </p:sp>
+      <p:sp>
+        <p:nvSpPr>
+          <p:cNvPr id="3" name="Content Placeholder 2"/>
           <p:cNvSpPr>
             <a:spLocks noGrp="1"/>
           </p:cNvSpPr>
@@ -4034,38 +3949,157 @@
         </p:nvSpPr>
         <p:spPr/>
         <p:txBody>
-          <a:bodyPr/>
+          <a:bodyPr>
+            <a:normAutofit fontScale="70000" lnSpcReduction="20000"/>
+          </a:bodyPr>
           <a:lstStyle/>
           <a:p>
             <a:r>
               <a:rPr lang="en-US" dirty="0"/>
-              <a:t>Creating project allows for directory free reading of files and is more generalizable across users</a:t>
-            </a:r>
-          </a:p>
-          <a:p>
+              <a:t>Follow these instructions, making certain to complete steps 4, 6-9 (for installing a Git client – I recommend GitHub Desktop)</a:t>
+            </a:r>
+          </a:p>
+          <a:p>
+            <a:pPr lvl="1"/>
+            <a:r>
+              <a:rPr lang="en-US" dirty="0">
+                <a:hlinkClick r:id="rId2"/>
+              </a:rPr>
+              <a:t>https://happygitwithr.com/</a:t>
+            </a:r>
+            <a:br>
+              <a:rPr lang="en-US" dirty="0"/>
+            </a:br>
             <a:endParaRPr lang="en-US" dirty="0"/>
           </a:p>
           <a:p>
             <a:r>
+              <a:rPr lang="en-US" b="1" dirty="0"/>
+              <a:t>In summary you will need to:</a:t>
+            </a:r>
+          </a:p>
+          <a:p>
+            <a:pPr lvl="1"/>
+            <a:r>
               <a:rPr lang="en-US" dirty="0"/>
-              <a:t>This will also allow us to better synchronize and share code</a:t>
-            </a:r>
-          </a:p>
-          <a:p>
+              <a:t>4. Register for a GitHub account: you can just go straight to https://</a:t>
+            </a:r>
+            <a:r>
+              <a:rPr lang="en-US" dirty="0" err="1"/>
+              <a:t>github.com</a:t>
+            </a:r>
+            <a:r>
+              <a:rPr lang="en-US" dirty="0"/>
+              <a:t> to do this (by clicking on either of the green “Sign up” buttons). The one thing you may want to read first is </a:t>
+            </a:r>
+            <a:r>
+              <a:rPr lang="en-US" dirty="0">
+                <a:hlinkClick r:id="rId3"/>
+              </a:rPr>
+              <a:t>this advice on picking a GitHub user name</a:t>
+            </a:r>
+            <a:r>
+              <a:rPr lang="en-US" dirty="0"/>
+              <a:t>.</a:t>
+            </a:r>
+          </a:p>
+          <a:p>
+            <a:pPr lvl="1"/>
+            <a:r>
+              <a:rPr lang="en-US" dirty="0"/>
+              <a:t>5. Install </a:t>
+            </a:r>
+            <a:r>
+              <a:rPr lang="en-US" dirty="0" err="1"/>
+              <a:t>Rstudio</a:t>
+            </a:r>
+            <a:r>
+              <a:rPr lang="en-US" dirty="0"/>
+              <a:t> (should have already done this)</a:t>
+            </a:r>
+          </a:p>
+          <a:p>
+            <a:pPr lvl="1"/>
+            <a:r>
+              <a:rPr lang="en-US" dirty="0"/>
+              <a:t>6. Install Git on your machine. Be sure to follow instructions on this website: </a:t>
+            </a:r>
+            <a:r>
+              <a:rPr lang="en-US" u="sng" dirty="0">
+                <a:hlinkClick r:id="rId4"/>
+              </a:rPr>
+              <a:t>http://happygitwithr.com/install-git.html#install-git </a:t>
+            </a:r>
+            <a:endParaRPr lang="en-US" u="sng" dirty="0"/>
+          </a:p>
+          <a:p>
+            <a:pPr lvl="1"/>
+            <a:r>
+              <a:rPr lang="en-US" dirty="0"/>
+              <a:t>7. Introduce yourself to Git</a:t>
+            </a:r>
+          </a:p>
+          <a:p>
+            <a:pPr lvl="1"/>
+            <a:r>
+              <a:rPr lang="en-US" dirty="0"/>
+              <a:t>8. Install a Git client (GitHub Desktop!) </a:t>
+            </a:r>
+          </a:p>
+          <a:p>
+            <a:pPr marL="0" indent="0">
+              <a:buNone/>
+            </a:pPr>
             <a:endParaRPr lang="en-US" dirty="0"/>
           </a:p>
           <a:p>
             <a:r>
               <a:rPr lang="en-US" dirty="0"/>
-              <a:t>A project is associated with a folder on your computer. The folder can contain sub-folders. Next week, we will learn how to use Git to work on projects using version control. </a:t>
-            </a:r>
+              <a:t>if you’re on MacOS, it can be helpful to install </a:t>
+            </a:r>
+            <a:r>
+              <a:rPr lang="en-US" dirty="0" err="1"/>
+              <a:t>Xcode</a:t>
+            </a:r>
+            <a:r>
+              <a:rPr lang="en-US" dirty="0"/>
+              <a:t> ahead of time (</a:t>
+            </a:r>
+            <a:r>
+              <a:rPr lang="en-US" dirty="0">
+                <a:hlinkClick r:id="rId5"/>
+              </a:rPr>
+              <a:t>https://developer.apple.com/download/</a:t>
+            </a:r>
+            <a:r>
+              <a:rPr lang="en-US" dirty="0"/>
+              <a:t>) if you aren’t comfortable with command line</a:t>
+            </a:r>
+          </a:p>
+          <a:p>
+            <a:r>
+              <a:rPr lang="en-US" dirty="0"/>
+              <a:t>Please send me your </a:t>
+            </a:r>
+            <a:r>
+              <a:rPr lang="en-US" dirty="0" err="1"/>
+              <a:t>github</a:t>
+            </a:r>
+            <a:r>
+              <a:rPr lang="en-US" dirty="0"/>
+              <a:t> user name (via canvas)</a:t>
+            </a:r>
+          </a:p>
+          <a:p>
+            <a:pPr lvl="1"/>
+            <a:endParaRPr lang="en-US" dirty="0"/>
           </a:p>
         </p:txBody>
       </p:sp>
     </p:spTree>
     <p:extLst>
       <p:ext uri="{BB962C8B-B14F-4D97-AF65-F5344CB8AC3E}">
-        <p14:creationId xmlns:p14="http://schemas.microsoft.com/office/powerpoint/2010/main" val="4172330932"/>
+        <p14:creationId xmlns:p14="http://schemas.microsoft.com/office/powerpoint/2010/main" val="1351501970"/>
       </p:ext>
     </p:extLst>
   </p:cSld>
@@ -4094,590 +4128,6 @@
       </p:grpSpPr>
       <p:sp>
         <p:nvSpPr>
-          <p:cNvPr id="2" name="Title 1">
-            <a:extLst>
-              <a:ext uri="{FF2B5EF4-FFF2-40B4-BE49-F238E27FC236}">
-                <a16:creationId xmlns:a16="http://schemas.microsoft.com/office/drawing/2014/main" id="{DF1F88EF-BB29-A44E-B5AB-33ED49C8D8EA}"/>
-              </a:ext>
-            </a:extLst>
-          </p:cNvPr>
-          <p:cNvSpPr>
-            <a:spLocks noGrp="1"/>
-          </p:cNvSpPr>
-          <p:nvPr>
-            <p:ph type="title"/>
-          </p:nvPr>
-        </p:nvSpPr>
-        <p:spPr/>
-        <p:txBody>
-          <a:bodyPr/>
-          <a:lstStyle/>
-          <a:p>
-            <a:r>
-              <a:rPr lang="en-US" dirty="0"/>
-              <a:t>Instructions for creating an R project</a:t>
-            </a:r>
-          </a:p>
-        </p:txBody>
-      </p:sp>
-      <p:sp>
-        <p:nvSpPr>
-          <p:cNvPr id="3" name="Content Placeholder 2">
-            <a:extLst>
-              <a:ext uri="{FF2B5EF4-FFF2-40B4-BE49-F238E27FC236}">
-                <a16:creationId xmlns:a16="http://schemas.microsoft.com/office/drawing/2014/main" id="{7E461093-49F1-F14A-9B24-F34E45483A80}"/>
-              </a:ext>
-            </a:extLst>
-          </p:cNvPr>
-          <p:cNvSpPr>
-            <a:spLocks noGrp="1"/>
-          </p:cNvSpPr>
-          <p:nvPr>
-            <p:ph idx="1"/>
-          </p:nvPr>
-        </p:nvSpPr>
-        <p:spPr/>
-        <p:txBody>
-          <a:bodyPr>
-            <a:normAutofit fontScale="92500" lnSpcReduction="20000"/>
-          </a:bodyPr>
-          <a:lstStyle/>
-          <a:p>
-            <a:r>
-              <a:rPr lang="en-US" dirty="0"/>
-              <a:t>File --&gt;New Project</a:t>
-            </a:r>
-          </a:p>
-          <a:p>
-            <a:endParaRPr lang="en-US" dirty="0"/>
-          </a:p>
-          <a:p>
-            <a:endParaRPr lang="en-US" dirty="0"/>
-          </a:p>
-          <a:p>
-            <a:endParaRPr lang="en-US" dirty="0"/>
-          </a:p>
-          <a:p>
-            <a:endParaRPr lang="en-US" dirty="0"/>
-          </a:p>
-          <a:p>
-            <a:r>
-              <a:rPr lang="en-US" dirty="0"/>
-              <a:t>Click either “New Directory” or “Existing Directory” if you already have a named folder. Next week we will create a new project directory for the course that will be compatible with GitHub, but for now, we will demonstrate how to do this on your local computer.</a:t>
-            </a:r>
-          </a:p>
-          <a:p>
-            <a:endParaRPr lang="en-US" dirty="0"/>
-          </a:p>
-          <a:p>
-            <a:r>
-              <a:rPr lang="en-US" dirty="0"/>
-              <a:t>[GO TO R]</a:t>
-            </a:r>
-          </a:p>
-          <a:p>
-            <a:endParaRPr lang="en-US" dirty="0"/>
-          </a:p>
-        </p:txBody>
-      </p:sp>
-      <p:pic>
-        <p:nvPicPr>
-          <p:cNvPr id="4" name="Picture 3">
-            <a:extLst>
-              <a:ext uri="{FF2B5EF4-FFF2-40B4-BE49-F238E27FC236}">
-                <a16:creationId xmlns:a16="http://schemas.microsoft.com/office/drawing/2014/main" id="{F033E39C-70B2-3648-8B5C-CE4991E507B7}"/>
-              </a:ext>
-            </a:extLst>
-          </p:cNvPr>
-          <p:cNvPicPr>
-            <a:picLocks noChangeAspect="1"/>
-          </p:cNvPicPr>
-          <p:nvPr/>
-        </p:nvPicPr>
-        <p:blipFill>
-          <a:blip r:embed="rId2"/>
-          <a:stretch>
-            <a:fillRect/>
-          </a:stretch>
-        </p:blipFill>
-        <p:spPr>
-          <a:xfrm>
-            <a:off x="4221510" y="1534900"/>
-            <a:ext cx="3479024" cy="2050272"/>
-          </a:xfrm>
-          <a:prstGeom prst="rect">
-            <a:avLst/>
-          </a:prstGeom>
-        </p:spPr>
-      </p:pic>
-    </p:spTree>
-    <p:extLst>
-      <p:ext uri="{BB962C8B-B14F-4D97-AF65-F5344CB8AC3E}">
-        <p14:creationId xmlns:p14="http://schemas.microsoft.com/office/powerpoint/2010/main" val="2872700835"/>
-      </p:ext>
-    </p:extLst>
-  </p:cSld>
-  <p:clrMapOvr>
-    <a:masterClrMapping/>
-  </p:clrMapOvr>
-</p:sld>
-</file>
-
-<file path=ppt/slides/slide5.xml><?xml version="1.0" encoding="utf-8"?>
-<p:sld xmlns:a="http://schemas.openxmlformats.org/drawingml/2006/main" xmlns:r="http://schemas.openxmlformats.org/officeDocument/2006/relationships" xmlns:p="http://schemas.openxmlformats.org/presentationml/2006/main">
-  <p:cSld>
-    <p:spTree>
-      <p:nvGrpSpPr>
-        <p:cNvPr id="1" name=""/>
-        <p:cNvGrpSpPr/>
-        <p:nvPr/>
-      </p:nvGrpSpPr>
-      <p:grpSpPr>
-        <a:xfrm>
-          <a:off x="0" y="0"/>
-          <a:ext cx="0" cy="0"/>
-          <a:chOff x="0" y="0"/>
-          <a:chExt cx="0" cy="0"/>
-        </a:xfrm>
-      </p:grpSpPr>
-      <p:sp>
-        <p:nvSpPr>
-          <p:cNvPr id="2" name="Title 1">
-            <a:extLst>
-              <a:ext uri="{FF2B5EF4-FFF2-40B4-BE49-F238E27FC236}">
-                <a16:creationId xmlns:a16="http://schemas.microsoft.com/office/drawing/2014/main" id="{E10320F3-93FF-AA4D-8714-9AB0CBD73A45}"/>
-              </a:ext>
-            </a:extLst>
-          </p:cNvPr>
-          <p:cNvSpPr>
-            <a:spLocks noGrp="1"/>
-          </p:cNvSpPr>
-          <p:nvPr>
-            <p:ph type="title"/>
-          </p:nvPr>
-        </p:nvSpPr>
-        <p:spPr/>
-        <p:txBody>
-          <a:bodyPr/>
-          <a:lstStyle/>
-          <a:p>
-            <a:r>
-              <a:rPr lang="en-US" dirty="0"/>
-              <a:t>What should my dataset look like?</a:t>
-            </a:r>
-          </a:p>
-        </p:txBody>
-      </p:sp>
-      <p:sp>
-        <p:nvSpPr>
-          <p:cNvPr id="3" name="Content Placeholder 2">
-            <a:extLst>
-              <a:ext uri="{FF2B5EF4-FFF2-40B4-BE49-F238E27FC236}">
-                <a16:creationId xmlns:a16="http://schemas.microsoft.com/office/drawing/2014/main" id="{21E3ADE4-5CDC-E743-A776-CA191D87AD02}"/>
-              </a:ext>
-            </a:extLst>
-          </p:cNvPr>
-          <p:cNvSpPr>
-            <a:spLocks noGrp="1"/>
-          </p:cNvSpPr>
-          <p:nvPr>
-            <p:ph idx="1"/>
-          </p:nvPr>
-        </p:nvSpPr>
-        <p:spPr/>
-        <p:txBody>
-          <a:bodyPr>
-            <a:normAutofit fontScale="85000" lnSpcReduction="20000"/>
-          </a:bodyPr>
-          <a:lstStyle/>
-          <a:p>
-            <a:r>
-              <a:rPr lang="en-US" dirty="0"/>
-              <a:t>Preferably you have a dataset with a couple different variables with some numerical quantity that you have measured</a:t>
-            </a:r>
-          </a:p>
-          <a:p>
-            <a:endParaRPr lang="en-US" dirty="0"/>
-          </a:p>
-          <a:p>
-            <a:r>
-              <a:rPr lang="en-US" dirty="0"/>
-              <a:t>Most datasets should therefore have at least 3 columns</a:t>
-            </a:r>
-          </a:p>
-          <a:p>
-            <a:endParaRPr lang="en-US" dirty="0"/>
-          </a:p>
-          <a:p>
-            <a:r>
-              <a:rPr lang="en-US" dirty="0"/>
-              <a:t>The predictor variables can be very simple – e.g. site, species, collector or date are all fine. </a:t>
-            </a:r>
-          </a:p>
-          <a:p>
-            <a:pPr lvl="1"/>
-            <a:r>
-              <a:rPr lang="en-US" dirty="0"/>
-              <a:t>Most of the time, you won’t need a minimum number of observations, although you might need to simulate (e.g. fake) some data for some analyses if your dataset is very small. </a:t>
-            </a:r>
-          </a:p>
-          <a:p>
-            <a:endParaRPr lang="en-US" dirty="0"/>
-          </a:p>
-          <a:p>
-            <a:r>
-              <a:rPr lang="en-US" dirty="0"/>
-              <a:t>For example, you have weighed animals, you have identified each animal to a species (of which you have more than one), and you caught those animals on different dates. </a:t>
-            </a:r>
-          </a:p>
-        </p:txBody>
-      </p:sp>
-    </p:spTree>
-    <p:extLst>
-      <p:ext uri="{BB962C8B-B14F-4D97-AF65-F5344CB8AC3E}">
-        <p14:creationId xmlns:p14="http://schemas.microsoft.com/office/powerpoint/2010/main" val="598873285"/>
-      </p:ext>
-    </p:extLst>
-  </p:cSld>
-  <p:clrMapOvr>
-    <a:masterClrMapping/>
-  </p:clrMapOvr>
-</p:sld>
-</file>
-
-<file path=ppt/slides/slide6.xml><?xml version="1.0" encoding="utf-8"?>
-<p:sld xmlns:a="http://schemas.openxmlformats.org/drawingml/2006/main" xmlns:r="http://schemas.openxmlformats.org/officeDocument/2006/relationships" xmlns:p="http://schemas.openxmlformats.org/presentationml/2006/main">
-  <p:cSld>
-    <p:spTree>
-      <p:nvGrpSpPr>
-        <p:cNvPr id="1" name=""/>
-        <p:cNvGrpSpPr/>
-        <p:nvPr/>
-      </p:nvGrpSpPr>
-      <p:grpSpPr>
-        <a:xfrm>
-          <a:off x="0" y="0"/>
-          <a:ext cx="0" cy="0"/>
-          <a:chOff x="0" y="0"/>
-          <a:chExt cx="0" cy="0"/>
-        </a:xfrm>
-      </p:grpSpPr>
-      <p:sp>
-        <p:nvSpPr>
-          <p:cNvPr id="2" name="Title 1"/>
-          <p:cNvSpPr>
-            <a:spLocks noGrp="1"/>
-          </p:cNvSpPr>
-          <p:nvPr>
-            <p:ph type="title"/>
-          </p:nvPr>
-        </p:nvSpPr>
-        <p:spPr/>
-        <p:txBody>
-          <a:bodyPr/>
-          <a:lstStyle/>
-          <a:p>
-            <a:r>
-              <a:rPr lang="en-US" dirty="0"/>
-              <a:t>Packages to install</a:t>
-            </a:r>
-          </a:p>
-        </p:txBody>
-      </p:sp>
-      <p:sp>
-        <p:nvSpPr>
-          <p:cNvPr id="3" name="Content Placeholder 2"/>
-          <p:cNvSpPr>
-            <a:spLocks noGrp="1"/>
-          </p:cNvSpPr>
-          <p:nvPr>
-            <p:ph idx="1"/>
-          </p:nvPr>
-        </p:nvSpPr>
-        <p:spPr/>
-        <p:txBody>
-          <a:bodyPr>
-            <a:normAutofit fontScale="70000" lnSpcReduction="20000"/>
-          </a:bodyPr>
-          <a:lstStyle/>
-          <a:p>
-            <a:r>
-              <a:rPr lang="en-US" dirty="0"/>
-              <a:t>ggplot2</a:t>
-            </a:r>
-          </a:p>
-          <a:p>
-            <a:r>
-              <a:rPr lang="en-US" dirty="0" err="1"/>
-              <a:t>tidyverse</a:t>
-            </a:r>
-            <a:endParaRPr lang="en-US" dirty="0"/>
-          </a:p>
-          <a:p>
-            <a:r>
-              <a:rPr lang="en-US" dirty="0" err="1"/>
-              <a:t>dplyr</a:t>
-            </a:r>
-            <a:endParaRPr lang="en-US" dirty="0"/>
-          </a:p>
-          <a:p>
-            <a:r>
-              <a:rPr lang="en-US" dirty="0"/>
-              <a:t>reshape2</a:t>
-            </a:r>
-          </a:p>
-          <a:p>
-            <a:r>
-              <a:rPr lang="en-US" dirty="0"/>
-              <a:t>reshape</a:t>
-            </a:r>
-          </a:p>
-          <a:p>
-            <a:r>
-              <a:rPr lang="en-US" dirty="0" err="1"/>
-              <a:t>gridExtra</a:t>
-            </a:r>
-            <a:endParaRPr lang="en-US" dirty="0"/>
-          </a:p>
-          <a:p>
-            <a:r>
-              <a:rPr lang="en-US" dirty="0"/>
-              <a:t>officer</a:t>
-            </a:r>
-          </a:p>
-          <a:p>
-            <a:r>
-              <a:rPr lang="en-US" dirty="0" err="1"/>
-              <a:t>knitr</a:t>
-            </a:r>
-            <a:br>
-              <a:rPr lang="en-US" dirty="0"/>
-            </a:br>
-            <a:endParaRPr lang="en-US" dirty="0"/>
-          </a:p>
-          <a:p>
-            <a:r>
-              <a:rPr lang="en-US" dirty="0"/>
-              <a:t>Load packages with library() </a:t>
-            </a:r>
-            <a:r>
-              <a:rPr lang="mr-IN" dirty="0"/>
-              <a:t>–</a:t>
-            </a:r>
-            <a:r>
-              <a:rPr lang="en-US" dirty="0"/>
-              <a:t> e.g. library(ggplot2)</a:t>
-            </a:r>
-          </a:p>
-          <a:p>
-            <a:endParaRPr lang="en-US" dirty="0"/>
-          </a:p>
-          <a:p>
-            <a:r>
-              <a:rPr lang="en-US" dirty="0"/>
-              <a:t>Can search packages to install using “Packages” tab in lower right, and then clicking “Install”  button</a:t>
-            </a:r>
-          </a:p>
-        </p:txBody>
-      </p:sp>
-    </p:spTree>
-    <p:extLst>
-      <p:ext uri="{BB962C8B-B14F-4D97-AF65-F5344CB8AC3E}">
-        <p14:creationId xmlns:p14="http://schemas.microsoft.com/office/powerpoint/2010/main" val="1070987784"/>
-      </p:ext>
-    </p:extLst>
-  </p:cSld>
-  <p:clrMapOvr>
-    <a:masterClrMapping/>
-  </p:clrMapOvr>
-</p:sld>
-</file>
-
-<file path=ppt/slides/slide7.xml><?xml version="1.0" encoding="utf-8"?>
-<p:sld xmlns:a="http://schemas.openxmlformats.org/drawingml/2006/main" xmlns:r="http://schemas.openxmlformats.org/officeDocument/2006/relationships" xmlns:p="http://schemas.openxmlformats.org/presentationml/2006/main">
-  <p:cSld>
-    <p:spTree>
-      <p:nvGrpSpPr>
-        <p:cNvPr id="1" name=""/>
-        <p:cNvGrpSpPr/>
-        <p:nvPr/>
-      </p:nvGrpSpPr>
-      <p:grpSpPr>
-        <a:xfrm>
-          <a:off x="0" y="0"/>
-          <a:ext cx="0" cy="0"/>
-          <a:chOff x="0" y="0"/>
-          <a:chExt cx="0" cy="0"/>
-        </a:xfrm>
-      </p:grpSpPr>
-      <p:sp>
-        <p:nvSpPr>
-          <p:cNvPr id="2" name="Title 1"/>
-          <p:cNvSpPr>
-            <a:spLocks noGrp="1"/>
-          </p:cNvSpPr>
-          <p:nvPr>
-            <p:ph type="title"/>
-          </p:nvPr>
-        </p:nvSpPr>
-        <p:spPr/>
-        <p:txBody>
-          <a:bodyPr/>
-          <a:lstStyle/>
-          <a:p>
-            <a:pPr algn="ctr"/>
-            <a:r>
-              <a:rPr lang="en-US" dirty="0"/>
-              <a:t>Installing Git and </a:t>
-            </a:r>
-            <a:r>
-              <a:rPr lang="en-US" dirty="0" err="1"/>
-              <a:t>Github</a:t>
-            </a:r>
-            <a:r>
-              <a:rPr lang="en-US" dirty="0"/>
-              <a:t>	- DUE WED!</a:t>
-            </a:r>
-          </a:p>
-        </p:txBody>
-      </p:sp>
-      <p:sp>
-        <p:nvSpPr>
-          <p:cNvPr id="3" name="Content Placeholder 2"/>
-          <p:cNvSpPr>
-            <a:spLocks noGrp="1"/>
-          </p:cNvSpPr>
-          <p:nvPr>
-            <p:ph idx="1"/>
-          </p:nvPr>
-        </p:nvSpPr>
-        <p:spPr/>
-        <p:txBody>
-          <a:bodyPr>
-            <a:normAutofit fontScale="92500" lnSpcReduction="20000"/>
-          </a:bodyPr>
-          <a:lstStyle/>
-          <a:p>
-            <a:r>
-              <a:rPr lang="en-US" dirty="0"/>
-              <a:t>Register for a GitHub account: you can just go straight to https://</a:t>
-            </a:r>
-            <a:r>
-              <a:rPr lang="en-US" dirty="0" err="1"/>
-              <a:t>github.com</a:t>
-            </a:r>
-            <a:r>
-              <a:rPr lang="en-US" dirty="0"/>
-              <a:t> to do this (by clicking on either of the green “Sign up” buttons). The one thing you may want to read first is </a:t>
-            </a:r>
-            <a:r>
-              <a:rPr lang="en-US" dirty="0">
-                <a:hlinkClick r:id="rId2"/>
-              </a:rPr>
-              <a:t>this advice on picking a GitHub user name</a:t>
-            </a:r>
-            <a:r>
-              <a:rPr lang="en-US" dirty="0"/>
-              <a:t>.</a:t>
-            </a:r>
-          </a:p>
-          <a:p>
-            <a:r>
-              <a:rPr lang="en-US" dirty="0"/>
-              <a:t>Install Git on your machine. This website provides some helpful instructions for getting started with Git:</a:t>
-            </a:r>
-          </a:p>
-          <a:p>
-            <a:r>
-              <a:rPr lang="en-US" u="sng" dirty="0">
-                <a:hlinkClick r:id="rId3"/>
-              </a:rPr>
-              <a:t>http://happygitwithr.com/install-git.html#install-git </a:t>
-            </a:r>
-            <a:endParaRPr lang="en-US" dirty="0"/>
-          </a:p>
-          <a:p>
-            <a:pPr marL="0" indent="0">
-              <a:buNone/>
-            </a:pPr>
-            <a:endParaRPr lang="en-US" dirty="0"/>
-          </a:p>
-          <a:p>
-            <a:r>
-              <a:rPr lang="en-US" dirty="0"/>
-              <a:t>if you’re on MacOS, it can be helpful to install </a:t>
-            </a:r>
-            <a:r>
-              <a:rPr lang="en-US" dirty="0" err="1"/>
-              <a:t>Xcode</a:t>
-            </a:r>
-            <a:r>
-              <a:rPr lang="en-US" dirty="0"/>
-              <a:t> ahead of time (</a:t>
-            </a:r>
-            <a:r>
-              <a:rPr lang="en-US" dirty="0">
-                <a:hlinkClick r:id="rId4"/>
-              </a:rPr>
-              <a:t>https://developer.apple.com/download/</a:t>
-            </a:r>
-            <a:r>
-              <a:rPr lang="en-US" dirty="0"/>
-              <a:t>) if you aren’t comfortable with command line</a:t>
-            </a:r>
-          </a:p>
-          <a:p>
-            <a:r>
-              <a:rPr lang="en-US" dirty="0"/>
-              <a:t>Please send me your </a:t>
-            </a:r>
-            <a:r>
-              <a:rPr lang="en-US" dirty="0" err="1"/>
-              <a:t>github</a:t>
-            </a:r>
-            <a:r>
-              <a:rPr lang="en-US" dirty="0"/>
-              <a:t> user name (via canvas)</a:t>
-            </a:r>
-          </a:p>
-          <a:p>
-            <a:pPr lvl="1"/>
-            <a:endParaRPr lang="en-US" dirty="0"/>
-          </a:p>
-        </p:txBody>
-      </p:sp>
-    </p:spTree>
-    <p:extLst>
-      <p:ext uri="{BB962C8B-B14F-4D97-AF65-F5344CB8AC3E}">
-        <p14:creationId xmlns:p14="http://schemas.microsoft.com/office/powerpoint/2010/main" val="1351501970"/>
-      </p:ext>
-    </p:extLst>
-  </p:cSld>
-  <p:clrMapOvr>
-    <a:masterClrMapping/>
-  </p:clrMapOvr>
-</p:sld>
-</file>
-
-<file path=ppt/slides/slide8.xml><?xml version="1.0" encoding="utf-8"?>
-<p:sld xmlns:a="http://schemas.openxmlformats.org/drawingml/2006/main" xmlns:r="http://schemas.openxmlformats.org/officeDocument/2006/relationships" xmlns:p="http://schemas.openxmlformats.org/presentationml/2006/main">
-  <p:cSld>
-    <p:spTree>
-      <p:nvGrpSpPr>
-        <p:cNvPr id="1" name=""/>
-        <p:cNvGrpSpPr/>
-        <p:nvPr/>
-      </p:nvGrpSpPr>
-      <p:grpSpPr>
-        <a:xfrm>
-          <a:off x="0" y="0"/>
-          <a:ext cx="0" cy="0"/>
-          <a:chOff x="0" y="0"/>
-          <a:chExt cx="0" cy="0"/>
-        </a:xfrm>
-      </p:grpSpPr>
-      <p:sp>
-        <p:nvSpPr>
           <p:cNvPr id="2" name="Title 1"/>
           <p:cNvSpPr>
             <a:spLocks noGrp="1"/>
@@ -4839,7 +4289,7 @@
 </p:sld>
 </file>
 
-<file path=ppt/slides/slide9.xml><?xml version="1.0" encoding="utf-8"?>
+<file path=ppt/slides/slide5.xml><?xml version="1.0" encoding="utf-8"?>
 <p:sld xmlns:a="http://schemas.openxmlformats.org/drawingml/2006/main" xmlns:r="http://schemas.openxmlformats.org/officeDocument/2006/relationships" xmlns:p="http://schemas.openxmlformats.org/presentationml/2006/main">
   <p:cSld>
     <p:spTree>
